--- a/assets/templates/elementary.pptx
+++ b/assets/templates/elementary.pptx
@@ -1,19 +1,19 @@
 
 <file path=ppt/presentation.xml><?xml version="1.0" encoding="utf-8"?>
-<p:presentation xmlns:a="http://schemas.openxmlformats.org/drawingml/2006/main" xmlns:r="http://schemas.openxmlformats.org/officeDocument/2006/relationships" xmlns:mc="http://schemas.openxmlformats.org/markup-compatibility/2006" xmlns:mv="urn:schemas-microsoft-com:mac:vml" xmlns:p="http://schemas.openxmlformats.org/presentationml/2006/main" xmlns:c="http://schemas.openxmlformats.org/drawingml/2006/chart" xmlns:dgm="http://schemas.openxmlformats.org/drawingml/2006/diagram" xmlns:o="urn:schemas-microsoft-com:office:office" xmlns:v="urn:schemas-microsoft-com:vml" xmlns:pvml="urn:schemas-microsoft-com:office:powerpoint" xmlns:com="http://schemas.openxmlformats.org/drawingml/2006/compatibility" xmlns:p14="http://schemas.microsoft.com/office/powerpoint/2010/main" xmlns:p15="http://schemas.microsoft.com/office/powerpoint/2012/main" xmlns:ahyp="http://schemas.microsoft.com/office/drawing/2018/hyperlinkcolor" autoCompressPictures="0" strictFirstAndLastChars="0" saveSubsetFonts="1">
+<p:presentation xmlns:a="http://schemas.openxmlformats.org/drawingml/2006/main" xmlns:r="http://schemas.openxmlformats.org/officeDocument/2006/relationships" xmlns:p="http://schemas.openxmlformats.org/presentationml/2006/main" strictFirstAndLastChars="0" saveSubsetFonts="1" autoCompressPictures="0">
   <p:sldMasterIdLst>
-    <p:sldMasterId id="2147483659" r:id="rId4"/>
+    <p:sldMasterId id="2147483659" r:id="rId1"/>
   </p:sldMasterIdLst>
   <p:notesMasterIdLst>
-    <p:notesMasterId r:id="rId5"/>
+    <p:notesMasterId r:id="rId3"/>
   </p:notesMasterIdLst>
   <p:sldIdLst>
-    <p:sldId id="256" r:id="rId6"/>
+    <p:sldId id="256" r:id="rId2"/>
   </p:sldIdLst>
-  <p:sldSz cy="5143500" cx="9144000"/>
+  <p:sldSz cx="9144000" cy="5143500" type="screen16x9"/>
   <p:notesSz cx="6858000" cy="9144000"/>
   <p:defaultTextStyle>
-    <a:defPPr lvl="0" marR="0" rtl="0" algn="l">
+    <a:defPPr marR="0" lvl="0" algn="l" rtl="0">
       <a:lnSpc>
         <a:spcPct val="100000"/>
       </a:lnSpc>
@@ -24,7 +24,7 @@
         <a:spcPts val="0"/>
       </a:spcAft>
     </a:defPPr>
-    <a:lvl1pPr lvl="0" marR="0" rtl="0" algn="l">
+    <a:lvl1pPr marR="0" lvl="0" algn="l" rtl="0">
       <a:lnSpc>
         <a:spcPct val="100000"/>
       </a:lnSpc>
@@ -38,7 +38,7 @@
         <a:srgbClr val="000000"/>
       </a:buClr>
       <a:buFont typeface="Arial"/>
-      <a:defRPr b="0" i="0" sz="1400" u="none" cap="none" strike="noStrike">
+      <a:defRPr sz="1400" b="0" i="0" u="none" strike="noStrike" cap="none">
         <a:solidFill>
           <a:srgbClr val="000000"/>
         </a:solidFill>
@@ -48,7 +48,7 @@
         <a:sym typeface="Arial"/>
       </a:defRPr>
     </a:lvl1pPr>
-    <a:lvl2pPr lvl="1" marR="0" rtl="0" algn="l">
+    <a:lvl2pPr marR="0" lvl="1" algn="l" rtl="0">
       <a:lnSpc>
         <a:spcPct val="100000"/>
       </a:lnSpc>
@@ -62,7 +62,7 @@
         <a:srgbClr val="000000"/>
       </a:buClr>
       <a:buFont typeface="Arial"/>
-      <a:defRPr b="0" i="0" sz="1400" u="none" cap="none" strike="noStrike">
+      <a:defRPr sz="1400" b="0" i="0" u="none" strike="noStrike" cap="none">
         <a:solidFill>
           <a:srgbClr val="000000"/>
         </a:solidFill>
@@ -72,7 +72,7 @@
         <a:sym typeface="Arial"/>
       </a:defRPr>
     </a:lvl2pPr>
-    <a:lvl3pPr lvl="2" marR="0" rtl="0" algn="l">
+    <a:lvl3pPr marR="0" lvl="2" algn="l" rtl="0">
       <a:lnSpc>
         <a:spcPct val="100000"/>
       </a:lnSpc>
@@ -86,7 +86,7 @@
         <a:srgbClr val="000000"/>
       </a:buClr>
       <a:buFont typeface="Arial"/>
-      <a:defRPr b="0" i="0" sz="1400" u="none" cap="none" strike="noStrike">
+      <a:defRPr sz="1400" b="0" i="0" u="none" strike="noStrike" cap="none">
         <a:solidFill>
           <a:srgbClr val="000000"/>
         </a:solidFill>
@@ -96,7 +96,7 @@
         <a:sym typeface="Arial"/>
       </a:defRPr>
     </a:lvl3pPr>
-    <a:lvl4pPr lvl="3" marR="0" rtl="0" algn="l">
+    <a:lvl4pPr marR="0" lvl="3" algn="l" rtl="0">
       <a:lnSpc>
         <a:spcPct val="100000"/>
       </a:lnSpc>
@@ -110,7 +110,7 @@
         <a:srgbClr val="000000"/>
       </a:buClr>
       <a:buFont typeface="Arial"/>
-      <a:defRPr b="0" i="0" sz="1400" u="none" cap="none" strike="noStrike">
+      <a:defRPr sz="1400" b="0" i="0" u="none" strike="noStrike" cap="none">
         <a:solidFill>
           <a:srgbClr val="000000"/>
         </a:solidFill>
@@ -120,7 +120,7 @@
         <a:sym typeface="Arial"/>
       </a:defRPr>
     </a:lvl4pPr>
-    <a:lvl5pPr lvl="4" marR="0" rtl="0" algn="l">
+    <a:lvl5pPr marR="0" lvl="4" algn="l" rtl="0">
       <a:lnSpc>
         <a:spcPct val="100000"/>
       </a:lnSpc>
@@ -134,7 +134,7 @@
         <a:srgbClr val="000000"/>
       </a:buClr>
       <a:buFont typeface="Arial"/>
-      <a:defRPr b="0" i="0" sz="1400" u="none" cap="none" strike="noStrike">
+      <a:defRPr sz="1400" b="0" i="0" u="none" strike="noStrike" cap="none">
         <a:solidFill>
           <a:srgbClr val="000000"/>
         </a:solidFill>
@@ -144,7 +144,7 @@
         <a:sym typeface="Arial"/>
       </a:defRPr>
     </a:lvl5pPr>
-    <a:lvl6pPr lvl="5" marR="0" rtl="0" algn="l">
+    <a:lvl6pPr marR="0" lvl="5" algn="l" rtl="0">
       <a:lnSpc>
         <a:spcPct val="100000"/>
       </a:lnSpc>
@@ -158,7 +158,7 @@
         <a:srgbClr val="000000"/>
       </a:buClr>
       <a:buFont typeface="Arial"/>
-      <a:defRPr b="0" i="0" sz="1400" u="none" cap="none" strike="noStrike">
+      <a:defRPr sz="1400" b="0" i="0" u="none" strike="noStrike" cap="none">
         <a:solidFill>
           <a:srgbClr val="000000"/>
         </a:solidFill>
@@ -168,7 +168,7 @@
         <a:sym typeface="Arial"/>
       </a:defRPr>
     </a:lvl6pPr>
-    <a:lvl7pPr lvl="6" marR="0" rtl="0" algn="l">
+    <a:lvl7pPr marR="0" lvl="6" algn="l" rtl="0">
       <a:lnSpc>
         <a:spcPct val="100000"/>
       </a:lnSpc>
@@ -182,7 +182,7 @@
         <a:srgbClr val="000000"/>
       </a:buClr>
       <a:buFont typeface="Arial"/>
-      <a:defRPr b="0" i="0" sz="1400" u="none" cap="none" strike="noStrike">
+      <a:defRPr sz="1400" b="0" i="0" u="none" strike="noStrike" cap="none">
         <a:solidFill>
           <a:srgbClr val="000000"/>
         </a:solidFill>
@@ -192,7 +192,7 @@
         <a:sym typeface="Arial"/>
       </a:defRPr>
     </a:lvl7pPr>
-    <a:lvl8pPr lvl="7" marR="0" rtl="0" algn="l">
+    <a:lvl8pPr marR="0" lvl="7" algn="l" rtl="0">
       <a:lnSpc>
         <a:spcPct val="100000"/>
       </a:lnSpc>
@@ -206,7 +206,7 @@
         <a:srgbClr val="000000"/>
       </a:buClr>
       <a:buFont typeface="Arial"/>
-      <a:defRPr b="0" i="0" sz="1400" u="none" cap="none" strike="noStrike">
+      <a:defRPr sz="1400" b="0" i="0" u="none" strike="noStrike" cap="none">
         <a:solidFill>
           <a:srgbClr val="000000"/>
         </a:solidFill>
@@ -216,7 +216,7 @@
         <a:sym typeface="Arial"/>
       </a:defRPr>
     </a:lvl8pPr>
-    <a:lvl9pPr lvl="8" marR="0" rtl="0" algn="l">
+    <a:lvl9pPr marR="0" lvl="8" algn="l" rtl="0">
       <a:lnSpc>
         <a:spcPct val="100000"/>
       </a:lnSpc>
@@ -230,7 +230,7 @@
         <a:srgbClr val="000000"/>
       </a:buClr>
       <a:buFont typeface="Arial"/>
-      <a:defRPr b="0" i="0" sz="1400" u="none" cap="none" strike="noStrike">
+      <a:defRPr sz="1400" b="0" i="0" u="none" strike="noStrike" cap="none">
         <a:solidFill>
           <a:srgbClr val="000000"/>
         </a:solidFill>
@@ -243,7 +243,7 @@
   </p:defaultTextStyle>
   <p:extLst>
     <p:ext uri="{EFAFB233-063F-42B5-8137-9DF3F51BA10A}">
-      <p15:sldGuideLst>
+      <p15:sldGuideLst xmlns:p15="http://schemas.microsoft.com/office/powerpoint/2012/main">
         <p15:guide id="1" orient="horz" pos="1620">
           <p15:clr>
             <a:srgbClr val="747775"/>
@@ -261,11 +261,16 @@
 </file>
 
 <file path=ppt/notesMasters/notesMaster1.xml><?xml version="1.0" encoding="utf-8"?>
-<p:notesMaster xmlns:a="http://schemas.openxmlformats.org/drawingml/2006/main" xmlns:r="http://schemas.openxmlformats.org/officeDocument/2006/relationships" xmlns:mc="http://schemas.openxmlformats.org/markup-compatibility/2006" xmlns:mv="urn:schemas-microsoft-com:mac:vml" xmlns:p="http://schemas.openxmlformats.org/presentationml/2006/main" xmlns:c="http://schemas.openxmlformats.org/drawingml/2006/chart" xmlns:dgm="http://schemas.openxmlformats.org/drawingml/2006/diagram" xmlns:o="urn:schemas-microsoft-com:office:office" xmlns:v="urn:schemas-microsoft-com:vml" xmlns:pvml="urn:schemas-microsoft-com:office:powerpoint" xmlns:com="http://schemas.openxmlformats.org/drawingml/2006/compatibility" xmlns:p14="http://schemas.microsoft.com/office/powerpoint/2010/main" xmlns:p15="http://schemas.microsoft.com/office/powerpoint/2012/main" xmlns:ahyp="http://schemas.microsoft.com/office/drawing/2018/hyperlinkcolor">
+<p:notesMaster xmlns:a="http://schemas.openxmlformats.org/drawingml/2006/main" xmlns:r="http://schemas.openxmlformats.org/officeDocument/2006/relationships" xmlns:p="http://schemas.openxmlformats.org/presentationml/2006/main">
   <p:cSld>
+    <p:bg>
+      <p:bgRef idx="1001">
+        <a:schemeClr val="bg1"/>
+      </p:bgRef>
+    </p:bg>
     <p:spTree>
       <p:nvGrpSpPr>
-        <p:cNvPr id="2" name="Shape 2"/>
+        <p:cNvPr id="1" name="Shape 2"/>
         <p:cNvGrpSpPr/>
         <p:nvPr/>
       </p:nvGrpSpPr>
@@ -280,9 +285,11 @@
       <p:sp>
         <p:nvSpPr>
           <p:cNvPr id="3" name="Google Shape;3;n"/>
-          <p:cNvSpPr/>
+          <p:cNvSpPr>
+            <a:spLocks noGrp="1" noRot="1" noChangeAspect="1"/>
+          </p:cNvSpPr>
           <p:nvPr>
-            <p:ph idx="2" type="sldImg"/>
+            <p:ph type="sldImg" idx="2"/>
           </p:nvPr>
         </p:nvSpPr>
         <p:spPr>
@@ -291,9 +298,13 @@
             <a:ext cx="6096075" cy="3429000"/>
           </a:xfrm>
           <a:custGeom>
-            <a:rect b="b" l="l" r="r" t="t"/>
+            <a:avLst/>
+            <a:gdLst/>
+            <a:ahLst/>
+            <a:cxnLst/>
+            <a:rect l="l" t="t" r="r" b="b"/>
             <a:pathLst>
-              <a:path extrusionOk="0" h="120000" w="120000">
+              <a:path w="120000" h="120000" extrusionOk="0">
                 <a:moveTo>
                   <a:pt x="0" y="0"/>
                 </a:moveTo>
@@ -311,23 +322,25 @@
             </a:pathLst>
           </a:custGeom>
           <a:noFill/>
-          <a:ln cap="flat" cmpd="sng" w="9525">
+          <a:ln w="9525" cap="flat" cmpd="sng">
             <a:solidFill>
               <a:srgbClr val="000000"/>
             </a:solidFill>
             <a:prstDash val="solid"/>
             <a:round/>
-            <a:headEnd len="sm" w="sm" type="none"/>
-            <a:tailEnd len="sm" w="sm" type="none"/>
+            <a:headEnd type="none" w="sm" len="sm"/>
+            <a:tailEnd type="none" w="sm" len="sm"/>
           </a:ln>
         </p:spPr>
       </p:sp>
       <p:sp>
         <p:nvSpPr>
           <p:cNvPr id="4" name="Google Shape;4;n"/>
-          <p:cNvSpPr txBox="1"/>
+          <p:cNvSpPr txBox="1">
+            <a:spLocks noGrp="1"/>
+          </p:cNvSpPr>
           <p:nvPr>
-            <p:ph idx="1" type="body"/>
+            <p:ph type="body" idx="1"/>
           </p:nvPr>
         </p:nvSpPr>
         <p:spPr>
@@ -344,11 +357,11 @@
           </a:ln>
         </p:spPr>
         <p:txBody>
-          <a:bodyPr anchorCtr="0" anchor="t" bIns="91425" lIns="91425" spcFirstLastPara="1" rIns="91425" wrap="square" tIns="91425">
+          <a:bodyPr spcFirstLastPara="1" wrap="square" lIns="91425" tIns="91425" rIns="91425" bIns="91425" anchor="t" anchorCtr="0">
             <a:noAutofit/>
           </a:bodyPr>
           <a:lstStyle>
-            <a:lvl1pPr indent="-298450" lvl="0" marL="457200">
+            <a:lvl1pPr marL="457200" lvl="0" indent="-298450">
               <a:spcBef>
                 <a:spcPts val="0"/>
               </a:spcBef>
@@ -359,7 +372,7 @@
               <a:buChar char="●"/>
               <a:defRPr sz="1100"/>
             </a:lvl1pPr>
-            <a:lvl2pPr indent="-298450" lvl="1" marL="914400">
+            <a:lvl2pPr marL="914400" lvl="1" indent="-298450">
               <a:spcBef>
                 <a:spcPts val="0"/>
               </a:spcBef>
@@ -370,7 +383,7 @@
               <a:buChar char="○"/>
               <a:defRPr sz="1100"/>
             </a:lvl2pPr>
-            <a:lvl3pPr indent="-298450" lvl="2" marL="1371600">
+            <a:lvl3pPr marL="1371600" lvl="2" indent="-298450">
               <a:spcBef>
                 <a:spcPts val="0"/>
               </a:spcBef>
@@ -381,7 +394,7 @@
               <a:buChar char="■"/>
               <a:defRPr sz="1100"/>
             </a:lvl3pPr>
-            <a:lvl4pPr indent="-298450" lvl="3" marL="1828800">
+            <a:lvl4pPr marL="1828800" lvl="3" indent="-298450">
               <a:spcBef>
                 <a:spcPts val="0"/>
               </a:spcBef>
@@ -392,7 +405,7 @@
               <a:buChar char="●"/>
               <a:defRPr sz="1100"/>
             </a:lvl4pPr>
-            <a:lvl5pPr indent="-298450" lvl="4" marL="2286000">
+            <a:lvl5pPr marL="2286000" lvl="4" indent="-298450">
               <a:spcBef>
                 <a:spcPts val="0"/>
               </a:spcBef>
@@ -403,7 +416,7 @@
               <a:buChar char="○"/>
               <a:defRPr sz="1100"/>
             </a:lvl5pPr>
-            <a:lvl6pPr indent="-298450" lvl="5" marL="2743200">
+            <a:lvl6pPr marL="2743200" lvl="5" indent="-298450">
               <a:spcBef>
                 <a:spcPts val="0"/>
               </a:spcBef>
@@ -414,7 +427,7 @@
               <a:buChar char="■"/>
               <a:defRPr sz="1100"/>
             </a:lvl6pPr>
-            <a:lvl7pPr indent="-298450" lvl="6" marL="3200400">
+            <a:lvl7pPr marL="3200400" lvl="6" indent="-298450">
               <a:spcBef>
                 <a:spcPts val="0"/>
               </a:spcBef>
@@ -425,7 +438,7 @@
               <a:buChar char="●"/>
               <a:defRPr sz="1100"/>
             </a:lvl7pPr>
-            <a:lvl8pPr indent="-298450" lvl="7" marL="3657600">
+            <a:lvl8pPr marL="3657600" lvl="7" indent="-298450">
               <a:spcBef>
                 <a:spcPts val="0"/>
               </a:spcBef>
@@ -436,7 +449,7 @@
               <a:buChar char="○"/>
               <a:defRPr sz="1100"/>
             </a:lvl8pPr>
-            <a:lvl9pPr indent="-298450" lvl="8" marL="4114800">
+            <a:lvl9pPr marL="4114800" lvl="8" indent="-298450">
               <a:spcBef>
                 <a:spcPts val="0"/>
               </a:spcBef>
@@ -448,14 +461,16 @@
               <a:defRPr sz="1100"/>
             </a:lvl9pPr>
           </a:lstStyle>
-          <a:p/>
+          <a:p>
+            <a:endParaRPr/>
+          </a:p>
         </p:txBody>
       </p:sp>
     </p:spTree>
   </p:cSld>
-  <p:clrMap accent1="accent1" accent2="accent2" accent3="accent3" accent4="accent4" accent5="accent5" accent6="accent6" bg1="lt1" bg2="dk2" tx1="dk1" tx2="lt2" folHlink="folHlink" hlink="hlink"/>
+  <p:clrMap bg1="lt1" tx1="dk1" bg2="dk2" tx2="lt2" accent1="accent1" accent2="accent2" accent3="accent3" accent4="accent4" accent5="accent5" accent6="accent6" hlink="hlink" folHlink="folHlink"/>
   <p:notesStyle>
-    <a:defPPr lvl="0" marR="0" rtl="0" algn="l">
+    <a:defPPr marR="0" lvl="0" algn="l" rtl="0">
       <a:lnSpc>
         <a:spcPct val="100000"/>
       </a:lnSpc>
@@ -466,7 +481,7 @@
         <a:spcPts val="0"/>
       </a:spcAft>
     </a:defPPr>
-    <a:lvl1pPr lvl="0" marR="0" rtl="0" algn="l">
+    <a:lvl1pPr marR="0" lvl="0" algn="l" rtl="0">
       <a:lnSpc>
         <a:spcPct val="100000"/>
       </a:lnSpc>
@@ -480,7 +495,7 @@
         <a:srgbClr val="000000"/>
       </a:buClr>
       <a:buFont typeface="Arial"/>
-      <a:defRPr b="0" i="0" sz="1400" u="none" cap="none" strike="noStrike">
+      <a:defRPr sz="1400" b="0" i="0" u="none" strike="noStrike" cap="none">
         <a:solidFill>
           <a:srgbClr val="000000"/>
         </a:solidFill>
@@ -490,7 +505,7 @@
         <a:sym typeface="Arial"/>
       </a:defRPr>
     </a:lvl1pPr>
-    <a:lvl2pPr lvl="1" marR="0" rtl="0" algn="l">
+    <a:lvl2pPr marR="0" lvl="1" algn="l" rtl="0">
       <a:lnSpc>
         <a:spcPct val="100000"/>
       </a:lnSpc>
@@ -504,7 +519,7 @@
         <a:srgbClr val="000000"/>
       </a:buClr>
       <a:buFont typeface="Arial"/>
-      <a:defRPr b="0" i="0" sz="1400" u="none" cap="none" strike="noStrike">
+      <a:defRPr sz="1400" b="0" i="0" u="none" strike="noStrike" cap="none">
         <a:solidFill>
           <a:srgbClr val="000000"/>
         </a:solidFill>
@@ -514,7 +529,7 @@
         <a:sym typeface="Arial"/>
       </a:defRPr>
     </a:lvl2pPr>
-    <a:lvl3pPr lvl="2" marR="0" rtl="0" algn="l">
+    <a:lvl3pPr marR="0" lvl="2" algn="l" rtl="0">
       <a:lnSpc>
         <a:spcPct val="100000"/>
       </a:lnSpc>
@@ -528,7 +543,7 @@
         <a:srgbClr val="000000"/>
       </a:buClr>
       <a:buFont typeface="Arial"/>
-      <a:defRPr b="0" i="0" sz="1400" u="none" cap="none" strike="noStrike">
+      <a:defRPr sz="1400" b="0" i="0" u="none" strike="noStrike" cap="none">
         <a:solidFill>
           <a:srgbClr val="000000"/>
         </a:solidFill>
@@ -538,7 +553,7 @@
         <a:sym typeface="Arial"/>
       </a:defRPr>
     </a:lvl3pPr>
-    <a:lvl4pPr lvl="3" marR="0" rtl="0" algn="l">
+    <a:lvl4pPr marR="0" lvl="3" algn="l" rtl="0">
       <a:lnSpc>
         <a:spcPct val="100000"/>
       </a:lnSpc>
@@ -552,7 +567,7 @@
         <a:srgbClr val="000000"/>
       </a:buClr>
       <a:buFont typeface="Arial"/>
-      <a:defRPr b="0" i="0" sz="1400" u="none" cap="none" strike="noStrike">
+      <a:defRPr sz="1400" b="0" i="0" u="none" strike="noStrike" cap="none">
         <a:solidFill>
           <a:srgbClr val="000000"/>
         </a:solidFill>
@@ -562,7 +577,7 @@
         <a:sym typeface="Arial"/>
       </a:defRPr>
     </a:lvl4pPr>
-    <a:lvl5pPr lvl="4" marR="0" rtl="0" algn="l">
+    <a:lvl5pPr marR="0" lvl="4" algn="l" rtl="0">
       <a:lnSpc>
         <a:spcPct val="100000"/>
       </a:lnSpc>
@@ -576,7 +591,7 @@
         <a:srgbClr val="000000"/>
       </a:buClr>
       <a:buFont typeface="Arial"/>
-      <a:defRPr b="0" i="0" sz="1400" u="none" cap="none" strike="noStrike">
+      <a:defRPr sz="1400" b="0" i="0" u="none" strike="noStrike" cap="none">
         <a:solidFill>
           <a:srgbClr val="000000"/>
         </a:solidFill>
@@ -586,7 +601,7 @@
         <a:sym typeface="Arial"/>
       </a:defRPr>
     </a:lvl5pPr>
-    <a:lvl6pPr lvl="5" marR="0" rtl="0" algn="l">
+    <a:lvl6pPr marR="0" lvl="5" algn="l" rtl="0">
       <a:lnSpc>
         <a:spcPct val="100000"/>
       </a:lnSpc>
@@ -600,7 +615,7 @@
         <a:srgbClr val="000000"/>
       </a:buClr>
       <a:buFont typeface="Arial"/>
-      <a:defRPr b="0" i="0" sz="1400" u="none" cap="none" strike="noStrike">
+      <a:defRPr sz="1400" b="0" i="0" u="none" strike="noStrike" cap="none">
         <a:solidFill>
           <a:srgbClr val="000000"/>
         </a:solidFill>
@@ -610,7 +625,7 @@
         <a:sym typeface="Arial"/>
       </a:defRPr>
     </a:lvl6pPr>
-    <a:lvl7pPr lvl="6" marR="0" rtl="0" algn="l">
+    <a:lvl7pPr marR="0" lvl="6" algn="l" rtl="0">
       <a:lnSpc>
         <a:spcPct val="100000"/>
       </a:lnSpc>
@@ -624,7 +639,7 @@
         <a:srgbClr val="000000"/>
       </a:buClr>
       <a:buFont typeface="Arial"/>
-      <a:defRPr b="0" i="0" sz="1400" u="none" cap="none" strike="noStrike">
+      <a:defRPr sz="1400" b="0" i="0" u="none" strike="noStrike" cap="none">
         <a:solidFill>
           <a:srgbClr val="000000"/>
         </a:solidFill>
@@ -634,7 +649,7 @@
         <a:sym typeface="Arial"/>
       </a:defRPr>
     </a:lvl7pPr>
-    <a:lvl8pPr lvl="7" marR="0" rtl="0" algn="l">
+    <a:lvl8pPr marR="0" lvl="7" algn="l" rtl="0">
       <a:lnSpc>
         <a:spcPct val="100000"/>
       </a:lnSpc>
@@ -648,7 +663,7 @@
         <a:srgbClr val="000000"/>
       </a:buClr>
       <a:buFont typeface="Arial"/>
-      <a:defRPr b="0" i="0" sz="1400" u="none" cap="none" strike="noStrike">
+      <a:defRPr sz="1400" b="0" i="0" u="none" strike="noStrike" cap="none">
         <a:solidFill>
           <a:srgbClr val="000000"/>
         </a:solidFill>
@@ -658,7 +673,7 @@
         <a:sym typeface="Arial"/>
       </a:defRPr>
     </a:lvl8pPr>
-    <a:lvl9pPr lvl="8" marR="0" rtl="0" algn="l">
+    <a:lvl9pPr marR="0" lvl="8" algn="l" rtl="0">
       <a:lnSpc>
         <a:spcPct val="100000"/>
       </a:lnSpc>
@@ -672,7 +687,7 @@
         <a:srgbClr val="000000"/>
       </a:buClr>
       <a:buFont typeface="Arial"/>
-      <a:defRPr b="0" i="0" sz="1400" u="none" cap="none" strike="noStrike">
+      <a:defRPr sz="1400" b="0" i="0" u="none" strike="noStrike" cap="none">
         <a:solidFill>
           <a:srgbClr val="000000"/>
         </a:solidFill>
@@ -687,11 +702,11 @@
 </file>
 
 <file path=ppt/notesSlides/notesSlide1.xml><?xml version="1.0" encoding="utf-8"?>
-<p:notes xmlns:a="http://schemas.openxmlformats.org/drawingml/2006/main" xmlns:r="http://schemas.openxmlformats.org/officeDocument/2006/relationships" xmlns:mc="http://schemas.openxmlformats.org/markup-compatibility/2006" xmlns:mv="urn:schemas-microsoft-com:mac:vml" xmlns:p="http://schemas.openxmlformats.org/presentationml/2006/main" xmlns:c="http://schemas.openxmlformats.org/drawingml/2006/chart" xmlns:dgm="http://schemas.openxmlformats.org/drawingml/2006/diagram" xmlns:o="urn:schemas-microsoft-com:office:office" xmlns:v="urn:schemas-microsoft-com:vml" xmlns:pvml="urn:schemas-microsoft-com:office:powerpoint" xmlns:com="http://schemas.openxmlformats.org/drawingml/2006/compatibility" xmlns:p14="http://schemas.microsoft.com/office/powerpoint/2010/main" xmlns:p15="http://schemas.microsoft.com/office/powerpoint/2012/main" xmlns:ahyp="http://schemas.microsoft.com/office/drawing/2018/hyperlinkcolor" showMasterPhAnim="0" showMasterSp="0">
+<p:notes xmlns:a="http://schemas.openxmlformats.org/drawingml/2006/main" xmlns:r="http://schemas.openxmlformats.org/officeDocument/2006/relationships" xmlns:p="http://schemas.openxmlformats.org/presentationml/2006/main" showMasterSp="0" showMasterPhAnim="0">
   <p:cSld>
     <p:spTree>
       <p:nvGrpSpPr>
-        <p:cNvPr id="60" name="Shape 60"/>
+        <p:cNvPr id="1" name="Shape 60"/>
         <p:cNvGrpSpPr/>
         <p:nvPr/>
       </p:nvGrpSpPr>
@@ -706,20 +721,26 @@
       <p:sp>
         <p:nvSpPr>
           <p:cNvPr id="61" name="Google Shape;61;p:notes"/>
-          <p:cNvSpPr/>
+          <p:cNvSpPr>
+            <a:spLocks noGrp="1" noRot="1" noChangeAspect="1"/>
+          </p:cNvSpPr>
           <p:nvPr>
-            <p:ph idx="2" type="sldImg"/>
+            <p:ph type="sldImg" idx="2"/>
           </p:nvPr>
         </p:nvSpPr>
         <p:spPr>
           <a:xfrm>
-            <a:off x="381300" y="685800"/>
-            <a:ext cx="6096075" cy="3429000"/>
+            <a:off x="381000" y="685800"/>
+            <a:ext cx="6096000" cy="3429000"/>
           </a:xfrm>
           <a:custGeom>
-            <a:rect b="b" l="l" r="r" t="t"/>
+            <a:avLst/>
+            <a:gdLst/>
+            <a:ahLst/>
+            <a:cxnLst/>
+            <a:rect l="l" t="t" r="r" b="b"/>
             <a:pathLst>
-              <a:path extrusionOk="0" h="120000" w="120000">
+              <a:path w="120000" h="120000" extrusionOk="0">
                 <a:moveTo>
                   <a:pt x="0" y="0"/>
                 </a:moveTo>
@@ -741,9 +762,11 @@
       <p:sp>
         <p:nvSpPr>
           <p:cNvPr id="62" name="Google Shape;62;p:notes"/>
-          <p:cNvSpPr txBox="1"/>
+          <p:cNvSpPr txBox="1">
+            <a:spLocks noGrp="1"/>
+          </p:cNvSpPr>
           <p:nvPr>
-            <p:ph idx="1" type="body"/>
+            <p:ph type="body" idx="1"/>
           </p:nvPr>
         </p:nvSpPr>
         <p:spPr>
@@ -756,12 +779,12 @@
           </a:prstGeom>
         </p:spPr>
         <p:txBody>
-          <a:bodyPr anchorCtr="0" anchor="t" bIns="91425" lIns="91425" spcFirstLastPara="1" rIns="91425" wrap="square" tIns="91425">
+          <a:bodyPr spcFirstLastPara="1" wrap="square" lIns="91425" tIns="91425" rIns="91425" bIns="91425" anchor="t" anchorCtr="0">
             <a:noAutofit/>
           </a:bodyPr>
           <a:lstStyle/>
           <a:p>
-            <a:pPr indent="0" lvl="0" marL="0" rtl="0" algn="l">
+            <a:pPr marL="0" lvl="0" indent="0" algn="l" rtl="0">
               <a:spcBef>
                 <a:spcPts val="0"/>
               </a:spcBef>
@@ -770,9 +793,6 @@
               </a:spcAft>
               <a:buNone/>
             </a:pPr>
-            <a:r>
-              <a:t/>
-            </a:r>
             <a:endParaRPr/>
           </a:p>
         </p:txBody>
@@ -786,11 +806,11 @@
 </file>
 
 <file path=ppt/slideLayouts/slideLayout1.xml><?xml version="1.0" encoding="utf-8"?>
-<p:sldLayout xmlns:a="http://schemas.openxmlformats.org/drawingml/2006/main" xmlns:r="http://schemas.openxmlformats.org/officeDocument/2006/relationships" xmlns:mc="http://schemas.openxmlformats.org/markup-compatibility/2006" xmlns:mv="urn:schemas-microsoft-com:mac:vml" xmlns:p="http://schemas.openxmlformats.org/presentationml/2006/main" xmlns:c="http://schemas.openxmlformats.org/drawingml/2006/chart" xmlns:dgm="http://schemas.openxmlformats.org/drawingml/2006/diagram" xmlns:o="urn:schemas-microsoft-com:office:office" xmlns:v="urn:schemas-microsoft-com:vml" xmlns:pvml="urn:schemas-microsoft-com:office:powerpoint" xmlns:com="http://schemas.openxmlformats.org/drawingml/2006/compatibility" xmlns:p14="http://schemas.microsoft.com/office/powerpoint/2010/main" xmlns:p15="http://schemas.microsoft.com/office/powerpoint/2012/main" xmlns:ahyp="http://schemas.microsoft.com/office/drawing/2018/hyperlinkcolor" matchingName="Title slide" type="title">
+<p:sldLayout xmlns:a="http://schemas.openxmlformats.org/drawingml/2006/main" xmlns:r="http://schemas.openxmlformats.org/officeDocument/2006/relationships" xmlns:p="http://schemas.openxmlformats.org/presentationml/2006/main" matchingName="Title slide" userDrawn="1">
   <p:cSld name="TITLE">
     <p:spTree>
       <p:nvGrpSpPr>
-        <p:cNvPr id="10" name="Shape 10"/>
+        <p:cNvPr id="1" name="Shape 10"/>
         <p:cNvGrpSpPr/>
         <p:nvPr/>
       </p:nvGrpSpPr>
@@ -805,9 +825,11 @@
       <p:sp>
         <p:nvSpPr>
           <p:cNvPr id="11" name="Google Shape;11;p2"/>
-          <p:cNvSpPr txBox="1"/>
+          <p:cNvSpPr txBox="1">
+            <a:spLocks noGrp="1"/>
+          </p:cNvSpPr>
           <p:nvPr>
-            <p:ph idx="12" type="sldNum"/>
+            <p:ph type="sldNum" idx="12"/>
           </p:nvPr>
         </p:nvSpPr>
         <p:spPr>
@@ -820,7 +842,7 @@
           </a:prstGeom>
         </p:spPr>
         <p:txBody>
-          <a:bodyPr anchorCtr="0" anchor="ctr" bIns="91425" lIns="91425" spcFirstLastPara="1" rIns="91425" wrap="square" tIns="91425">
+          <a:bodyPr spcFirstLastPara="1" wrap="square" lIns="91425" tIns="91425" rIns="91425" bIns="91425" anchor="ctr" anchorCtr="0">
             <a:normAutofit/>
           </a:bodyPr>
           <a:lstStyle>
@@ -862,7 +884,7 @@
             </a:lvl9pPr>
           </a:lstStyle>
           <a:p>
-            <a:pPr indent="0" lvl="0" marL="0" rtl="0" algn="r">
+            <a:pPr marL="0" lvl="0" indent="0" algn="r" rtl="0">
               <a:spcBef>
                 <a:spcPts val="0"/>
               </a:spcBef>
@@ -919,9 +941,13 @@
             <a:ext cx="5708136" cy="1575430"/>
           </a:xfrm>
           <a:custGeom>
-            <a:rect b="b" l="l" r="r" t="t"/>
+            <a:avLst/>
+            <a:gdLst/>
+            <a:ahLst/>
+            <a:cxnLst/>
+            <a:rect l="l" t="t" r="r" b="b"/>
             <a:pathLst>
-              <a:path extrusionOk="0" h="3104296" w="9357600">
+              <a:path w="9357600" h="3104296" extrusionOk="0">
                 <a:moveTo>
                   <a:pt x="585853" y="2809464"/>
                 </a:moveTo>
@@ -977,12 +1003,12 @@
           </a:ln>
         </p:spPr>
         <p:txBody>
-          <a:bodyPr anchorCtr="0" anchor="ctr" bIns="45700" lIns="91425" spcFirstLastPara="1" rIns="91425" wrap="square" tIns="45700">
+          <a:bodyPr spcFirstLastPara="1" wrap="square" lIns="91425" tIns="45700" rIns="91425" bIns="45700" anchor="ctr" anchorCtr="0">
             <a:noAutofit/>
           </a:bodyPr>
           <a:lstStyle/>
           <a:p>
-            <a:pPr indent="0" lvl="0" marL="0" marR="0" rtl="0" algn="ctr">
+            <a:pPr marL="0" marR="0" lvl="0" indent="0" algn="ctr" rtl="0">
               <a:lnSpc>
                 <a:spcPct val="100000"/>
               </a:lnSpc>
@@ -999,10 +1025,7 @@
               <a:buFont typeface="Arial"/>
               <a:buNone/>
             </a:pPr>
-            <a:r>
-              <a:t/>
-            </a:r>
-            <a:endParaRPr b="0" i="0" sz="1800" u="none" cap="none" strike="noStrike">
+            <a:endParaRPr sz="1800" b="0" i="0" u="none" strike="noStrike" cap="none">
               <a:solidFill>
                 <a:srgbClr val="FFFFFF"/>
               </a:solidFill>
@@ -1024,7 +1047,7 @@
           <a:blip r:embed="rId3">
             <a:alphaModFix/>
           </a:blip>
-          <a:srcRect b="0" l="0" r="57643" t="0"/>
+          <a:srcRect r="57643"/>
           <a:stretch/>
         </p:blipFill>
         <p:spPr>
@@ -1069,20 +1092,171 @@
           </a:ln>
         </p:spPr>
       </p:pic>
+      <p:sp>
+        <p:nvSpPr>
+          <p:cNvPr id="2" name="Google Shape;17;p3">
+            <a:extLst>
+              <a:ext uri="{FF2B5EF4-FFF2-40B4-BE49-F238E27FC236}">
+                <a16:creationId xmlns:a16="http://schemas.microsoft.com/office/drawing/2014/main" id="{DC1F1842-2CC7-FBA4-8C33-09CC6AAF32BE}"/>
+              </a:ext>
+            </a:extLst>
+          </p:cNvPr>
+          <p:cNvSpPr txBox="1">
+            <a:spLocks noGrp="1"/>
+          </p:cNvSpPr>
+          <p:nvPr>
+            <p:ph type="title"/>
+          </p:nvPr>
+        </p:nvSpPr>
+        <p:spPr>
+          <a:xfrm>
+            <a:off x="311700" y="2150850"/>
+            <a:ext cx="8520600" cy="841800"/>
+          </a:xfrm>
+          <a:prstGeom prst="rect">
+            <a:avLst/>
+          </a:prstGeom>
+        </p:spPr>
+        <p:txBody>
+          <a:bodyPr spcFirstLastPara="1" wrap="square" lIns="91425" tIns="91425" rIns="91425" bIns="91425" anchor="ctr" anchorCtr="0">
+            <a:normAutofit/>
+          </a:bodyPr>
+          <a:lstStyle>
+            <a:lvl1pPr lvl="0" algn="ctr">
+              <a:spcBef>
+                <a:spcPts val="0"/>
+              </a:spcBef>
+              <a:spcAft>
+                <a:spcPts val="0"/>
+              </a:spcAft>
+              <a:buSzPts val="3600"/>
+              <a:buNone/>
+              <a:defRPr sz="3600"/>
+            </a:lvl1pPr>
+            <a:lvl2pPr lvl="1" algn="ctr">
+              <a:spcBef>
+                <a:spcPts val="0"/>
+              </a:spcBef>
+              <a:spcAft>
+                <a:spcPts val="0"/>
+              </a:spcAft>
+              <a:buSzPts val="3600"/>
+              <a:buNone/>
+              <a:defRPr sz="3600"/>
+            </a:lvl2pPr>
+            <a:lvl3pPr lvl="2" algn="ctr">
+              <a:spcBef>
+                <a:spcPts val="0"/>
+              </a:spcBef>
+              <a:spcAft>
+                <a:spcPts val="0"/>
+              </a:spcAft>
+              <a:buSzPts val="3600"/>
+              <a:buNone/>
+              <a:defRPr sz="3600"/>
+            </a:lvl3pPr>
+            <a:lvl4pPr lvl="3" algn="ctr">
+              <a:spcBef>
+                <a:spcPts val="0"/>
+              </a:spcBef>
+              <a:spcAft>
+                <a:spcPts val="0"/>
+              </a:spcAft>
+              <a:buSzPts val="3600"/>
+              <a:buNone/>
+              <a:defRPr sz="3600"/>
+            </a:lvl4pPr>
+            <a:lvl5pPr lvl="4" algn="ctr">
+              <a:spcBef>
+                <a:spcPts val="0"/>
+              </a:spcBef>
+              <a:spcAft>
+                <a:spcPts val="0"/>
+              </a:spcAft>
+              <a:buSzPts val="3600"/>
+              <a:buNone/>
+              <a:defRPr sz="3600"/>
+            </a:lvl5pPr>
+            <a:lvl6pPr lvl="5" algn="ctr">
+              <a:spcBef>
+                <a:spcPts val="0"/>
+              </a:spcBef>
+              <a:spcAft>
+                <a:spcPts val="0"/>
+              </a:spcAft>
+              <a:buSzPts val="3600"/>
+              <a:buNone/>
+              <a:defRPr sz="3600"/>
+            </a:lvl6pPr>
+            <a:lvl7pPr lvl="6" algn="ctr">
+              <a:spcBef>
+                <a:spcPts val="0"/>
+              </a:spcBef>
+              <a:spcAft>
+                <a:spcPts val="0"/>
+              </a:spcAft>
+              <a:buSzPts val="3600"/>
+              <a:buNone/>
+              <a:defRPr sz="3600"/>
+            </a:lvl7pPr>
+            <a:lvl8pPr lvl="7" algn="ctr">
+              <a:spcBef>
+                <a:spcPts val="0"/>
+              </a:spcBef>
+              <a:spcAft>
+                <a:spcPts val="0"/>
+              </a:spcAft>
+              <a:buSzPts val="3600"/>
+              <a:buNone/>
+              <a:defRPr sz="3600"/>
+            </a:lvl8pPr>
+            <a:lvl9pPr lvl="8" algn="ctr">
+              <a:spcBef>
+                <a:spcPts val="0"/>
+              </a:spcBef>
+              <a:spcAft>
+                <a:spcPts val="0"/>
+              </a:spcAft>
+              <a:buSzPts val="3600"/>
+              <a:buNone/>
+              <a:defRPr sz="3600"/>
+            </a:lvl9pPr>
+          </a:lstStyle>
+          <a:p>
+            <a:endParaRPr/>
+          </a:p>
+        </p:txBody>
+      </p:sp>
     </p:spTree>
   </p:cSld>
   <p:clrMapOvr>
     <a:masterClrMapping/>
   </p:clrMapOvr>
+  <p:extLst>
+    <p:ext uri="{DCECCB84-F9BA-43D5-87BE-67443E8EF086}">
+      <p15:sldGuideLst xmlns:p15="http://schemas.microsoft.com/office/powerpoint/2012/main">
+        <p15:guide id="1" orient="horz" pos="1620" userDrawn="1">
+          <p15:clr>
+            <a:srgbClr val="FBAE40"/>
+          </p15:clr>
+        </p15:guide>
+        <p15:guide id="2" pos="2880" userDrawn="1">
+          <p15:clr>
+            <a:srgbClr val="FBAE40"/>
+          </p15:clr>
+        </p15:guide>
+      </p15:sldGuideLst>
+    </p:ext>
+  </p:extLst>
 </p:sldLayout>
 </file>
 
 <file path=ppt/slideLayouts/slideLayout10.xml><?xml version="1.0" encoding="utf-8"?>
-<p:sldLayout xmlns:a="http://schemas.openxmlformats.org/drawingml/2006/main" xmlns:r="http://schemas.openxmlformats.org/officeDocument/2006/relationships" xmlns:mc="http://schemas.openxmlformats.org/markup-compatibility/2006" xmlns:mv="urn:schemas-microsoft-com:mac:vml" xmlns:p="http://schemas.openxmlformats.org/presentationml/2006/main" xmlns:c="http://schemas.openxmlformats.org/drawingml/2006/chart" xmlns:dgm="http://schemas.openxmlformats.org/drawingml/2006/diagram" xmlns:o="urn:schemas-microsoft-com:office:office" xmlns:v="urn:schemas-microsoft-com:vml" xmlns:pvml="urn:schemas-microsoft-com:office:powerpoint" xmlns:com="http://schemas.openxmlformats.org/drawingml/2006/compatibility" xmlns:p14="http://schemas.microsoft.com/office/powerpoint/2010/main" xmlns:p15="http://schemas.microsoft.com/office/powerpoint/2012/main" xmlns:ahyp="http://schemas.microsoft.com/office/drawing/2018/hyperlinkcolor" matchingName="Big number">
+<p:sldLayout xmlns:a="http://schemas.openxmlformats.org/drawingml/2006/main" xmlns:r="http://schemas.openxmlformats.org/officeDocument/2006/relationships" xmlns:p="http://schemas.openxmlformats.org/presentationml/2006/main" matchingName="Big number">
   <p:cSld name="BIG_NUMBER">
     <p:spTree>
       <p:nvGrpSpPr>
-        <p:cNvPr id="54" name="Shape 54"/>
+        <p:cNvPr id="1" name="Shape 54"/>
         <p:cNvGrpSpPr/>
         <p:nvPr/>
       </p:nvGrpSpPr>
@@ -1097,9 +1271,11 @@
       <p:sp>
         <p:nvSpPr>
           <p:cNvPr id="55" name="Google Shape;55;p11"/>
-          <p:cNvSpPr txBox="1"/>
+          <p:cNvSpPr txBox="1">
+            <a:spLocks noGrp="1"/>
+          </p:cNvSpPr>
           <p:nvPr>
-            <p:ph hasCustomPrompt="1" type="title"/>
+            <p:ph type="title" hasCustomPrompt="1"/>
           </p:nvPr>
         </p:nvSpPr>
         <p:spPr>
@@ -1112,7 +1288,7 @@
           </a:prstGeom>
         </p:spPr>
         <p:txBody>
-          <a:bodyPr anchorCtr="0" anchor="b" bIns="91425" lIns="91425" spcFirstLastPara="1" rIns="91425" wrap="square" tIns="91425">
+          <a:bodyPr spcFirstLastPara="1" wrap="square" lIns="91425" tIns="91425" rIns="91425" bIns="91425" anchor="b" anchorCtr="0">
             <a:normAutofit/>
           </a:bodyPr>
           <a:lstStyle>
@@ -1226,9 +1402,11 @@
       <p:sp>
         <p:nvSpPr>
           <p:cNvPr id="56" name="Google Shape;56;p11"/>
-          <p:cNvSpPr txBox="1"/>
+          <p:cNvSpPr txBox="1">
+            <a:spLocks noGrp="1"/>
+          </p:cNvSpPr>
           <p:nvPr>
-            <p:ph idx="1" type="body"/>
+            <p:ph type="body" idx="1"/>
           </p:nvPr>
         </p:nvSpPr>
         <p:spPr>
@@ -1241,11 +1419,11 @@
           </a:prstGeom>
         </p:spPr>
         <p:txBody>
-          <a:bodyPr anchorCtr="0" anchor="t" bIns="91425" lIns="91425" spcFirstLastPara="1" rIns="91425" wrap="square" tIns="91425">
+          <a:bodyPr spcFirstLastPara="1" wrap="square" lIns="91425" tIns="91425" rIns="91425" bIns="91425" anchor="t" anchorCtr="0">
             <a:normAutofit/>
           </a:bodyPr>
           <a:lstStyle>
-            <a:lvl1pPr indent="-342900" lvl="0" marL="457200" algn="ctr">
+            <a:lvl1pPr marL="457200" lvl="0" indent="-342900" algn="ctr">
               <a:spcBef>
                 <a:spcPts val="0"/>
               </a:spcBef>
@@ -1256,7 +1434,7 @@
               <a:buChar char="●"/>
               <a:defRPr/>
             </a:lvl1pPr>
-            <a:lvl2pPr indent="-317500" lvl="1" marL="914400" algn="ctr">
+            <a:lvl2pPr marL="914400" lvl="1" indent="-317500" algn="ctr">
               <a:spcBef>
                 <a:spcPts val="0"/>
               </a:spcBef>
@@ -1267,7 +1445,7 @@
               <a:buChar char="○"/>
               <a:defRPr/>
             </a:lvl2pPr>
-            <a:lvl3pPr indent="-317500" lvl="2" marL="1371600" algn="ctr">
+            <a:lvl3pPr marL="1371600" lvl="2" indent="-317500" algn="ctr">
               <a:spcBef>
                 <a:spcPts val="0"/>
               </a:spcBef>
@@ -1278,7 +1456,7 @@
               <a:buChar char="■"/>
               <a:defRPr/>
             </a:lvl3pPr>
-            <a:lvl4pPr indent="-317500" lvl="3" marL="1828800" algn="ctr">
+            <a:lvl4pPr marL="1828800" lvl="3" indent="-317500" algn="ctr">
               <a:spcBef>
                 <a:spcPts val="0"/>
               </a:spcBef>
@@ -1289,7 +1467,7 @@
               <a:buChar char="●"/>
               <a:defRPr/>
             </a:lvl4pPr>
-            <a:lvl5pPr indent="-317500" lvl="4" marL="2286000" algn="ctr">
+            <a:lvl5pPr marL="2286000" lvl="4" indent="-317500" algn="ctr">
               <a:spcBef>
                 <a:spcPts val="0"/>
               </a:spcBef>
@@ -1300,7 +1478,7 @@
               <a:buChar char="○"/>
               <a:defRPr/>
             </a:lvl5pPr>
-            <a:lvl6pPr indent="-317500" lvl="5" marL="2743200" algn="ctr">
+            <a:lvl6pPr marL="2743200" lvl="5" indent="-317500" algn="ctr">
               <a:spcBef>
                 <a:spcPts val="0"/>
               </a:spcBef>
@@ -1311,7 +1489,7 @@
               <a:buChar char="■"/>
               <a:defRPr/>
             </a:lvl6pPr>
-            <a:lvl7pPr indent="-317500" lvl="6" marL="3200400" algn="ctr">
+            <a:lvl7pPr marL="3200400" lvl="6" indent="-317500" algn="ctr">
               <a:spcBef>
                 <a:spcPts val="0"/>
               </a:spcBef>
@@ -1322,7 +1500,7 @@
               <a:buChar char="●"/>
               <a:defRPr/>
             </a:lvl7pPr>
-            <a:lvl8pPr indent="-317500" lvl="7" marL="3657600" algn="ctr">
+            <a:lvl8pPr marL="3657600" lvl="7" indent="-317500" algn="ctr">
               <a:spcBef>
                 <a:spcPts val="0"/>
               </a:spcBef>
@@ -1333,7 +1511,7 @@
               <a:buChar char="○"/>
               <a:defRPr/>
             </a:lvl8pPr>
-            <a:lvl9pPr indent="-317500" lvl="8" marL="4114800" algn="ctr">
+            <a:lvl9pPr marL="4114800" lvl="8" indent="-317500" algn="ctr">
               <a:spcBef>
                 <a:spcPts val="0"/>
               </a:spcBef>
@@ -1345,15 +1523,19 @@
               <a:defRPr/>
             </a:lvl9pPr>
           </a:lstStyle>
-          <a:p/>
+          <a:p>
+            <a:endParaRPr/>
+          </a:p>
         </p:txBody>
       </p:sp>
       <p:sp>
         <p:nvSpPr>
           <p:cNvPr id="57" name="Google Shape;57;p11"/>
-          <p:cNvSpPr txBox="1"/>
+          <p:cNvSpPr txBox="1">
+            <a:spLocks noGrp="1"/>
+          </p:cNvSpPr>
           <p:nvPr>
-            <p:ph idx="12" type="sldNum"/>
+            <p:ph type="sldNum" idx="12"/>
           </p:nvPr>
         </p:nvSpPr>
         <p:spPr>
@@ -1366,7 +1548,7 @@
           </a:prstGeom>
         </p:spPr>
         <p:txBody>
-          <a:bodyPr anchorCtr="0" anchor="ctr" bIns="91425" lIns="91425" spcFirstLastPara="1" rIns="91425" wrap="square" tIns="91425">
+          <a:bodyPr spcFirstLastPara="1" wrap="square" lIns="91425" tIns="91425" rIns="91425" bIns="91425" anchor="ctr" anchorCtr="0">
             <a:normAutofit/>
           </a:bodyPr>
           <a:lstStyle>
@@ -1408,7 +1590,7 @@
             </a:lvl9pPr>
           </a:lstStyle>
           <a:p>
-            <a:pPr indent="0" lvl="0" marL="0" rtl="0" algn="r">
+            <a:pPr marL="0" lvl="0" indent="0" algn="r" rtl="0">
               <a:spcBef>
                 <a:spcPts val="0"/>
               </a:spcBef>
@@ -1434,11 +1616,11 @@
 </file>
 
 <file path=ppt/slideLayouts/slideLayout11.xml><?xml version="1.0" encoding="utf-8"?>
-<p:sldLayout xmlns:a="http://schemas.openxmlformats.org/drawingml/2006/main" xmlns:r="http://schemas.openxmlformats.org/officeDocument/2006/relationships" xmlns:mc="http://schemas.openxmlformats.org/markup-compatibility/2006" xmlns:mv="urn:schemas-microsoft-com:mac:vml" xmlns:p="http://schemas.openxmlformats.org/presentationml/2006/main" xmlns:c="http://schemas.openxmlformats.org/drawingml/2006/chart" xmlns:dgm="http://schemas.openxmlformats.org/drawingml/2006/diagram" xmlns:o="urn:schemas-microsoft-com:office:office" xmlns:v="urn:schemas-microsoft-com:vml" xmlns:pvml="urn:schemas-microsoft-com:office:powerpoint" xmlns:com="http://schemas.openxmlformats.org/drawingml/2006/compatibility" xmlns:p14="http://schemas.microsoft.com/office/powerpoint/2010/main" xmlns:p15="http://schemas.microsoft.com/office/powerpoint/2012/main" xmlns:ahyp="http://schemas.microsoft.com/office/drawing/2018/hyperlinkcolor" matchingName="Blank" type="blank">
+<p:sldLayout xmlns:a="http://schemas.openxmlformats.org/drawingml/2006/main" xmlns:r="http://schemas.openxmlformats.org/officeDocument/2006/relationships" xmlns:p="http://schemas.openxmlformats.org/presentationml/2006/main" matchingName="Blank" type="blank">
   <p:cSld name="BLANK">
     <p:spTree>
       <p:nvGrpSpPr>
-        <p:cNvPr id="58" name="Shape 58"/>
+        <p:cNvPr id="1" name="Shape 58"/>
         <p:cNvGrpSpPr/>
         <p:nvPr/>
       </p:nvGrpSpPr>
@@ -1453,9 +1635,11 @@
       <p:sp>
         <p:nvSpPr>
           <p:cNvPr id="59" name="Google Shape;59;p12"/>
-          <p:cNvSpPr txBox="1"/>
+          <p:cNvSpPr txBox="1">
+            <a:spLocks noGrp="1"/>
+          </p:cNvSpPr>
           <p:nvPr>
-            <p:ph idx="12" type="sldNum"/>
+            <p:ph type="sldNum" idx="12"/>
           </p:nvPr>
         </p:nvSpPr>
         <p:spPr>
@@ -1468,7 +1652,7 @@
           </a:prstGeom>
         </p:spPr>
         <p:txBody>
-          <a:bodyPr anchorCtr="0" anchor="ctr" bIns="91425" lIns="91425" spcFirstLastPara="1" rIns="91425" wrap="square" tIns="91425">
+          <a:bodyPr spcFirstLastPara="1" wrap="square" lIns="91425" tIns="91425" rIns="91425" bIns="91425" anchor="ctr" anchorCtr="0">
             <a:normAutofit/>
           </a:bodyPr>
           <a:lstStyle>
@@ -1510,7 +1694,7 @@
             </a:lvl9pPr>
           </a:lstStyle>
           <a:p>
-            <a:pPr indent="0" lvl="0" marL="0" rtl="0" algn="r">
+            <a:pPr marL="0" lvl="0" indent="0" algn="r" rtl="0">
               <a:spcBef>
                 <a:spcPts val="0"/>
               </a:spcBef>
@@ -1536,238 +1720,11 @@
 </file>
 
 <file path=ppt/slideLayouts/slideLayout2.xml><?xml version="1.0" encoding="utf-8"?>
-<p:sldLayout xmlns:a="http://schemas.openxmlformats.org/drawingml/2006/main" xmlns:r="http://schemas.openxmlformats.org/officeDocument/2006/relationships" xmlns:mc="http://schemas.openxmlformats.org/markup-compatibility/2006" xmlns:mv="urn:schemas-microsoft-com:mac:vml" xmlns:p="http://schemas.openxmlformats.org/presentationml/2006/main" xmlns:c="http://schemas.openxmlformats.org/drawingml/2006/chart" xmlns:dgm="http://schemas.openxmlformats.org/drawingml/2006/diagram" xmlns:o="urn:schemas-microsoft-com:office:office" xmlns:v="urn:schemas-microsoft-com:vml" xmlns:pvml="urn:schemas-microsoft-com:office:powerpoint" xmlns:com="http://schemas.openxmlformats.org/drawingml/2006/compatibility" xmlns:p14="http://schemas.microsoft.com/office/powerpoint/2010/main" xmlns:p15="http://schemas.microsoft.com/office/powerpoint/2012/main" xmlns:ahyp="http://schemas.microsoft.com/office/drawing/2018/hyperlinkcolor" matchingName="Section header" type="secHead">
-  <p:cSld name="SECTION_HEADER">
-    <p:spTree>
-      <p:nvGrpSpPr>
-        <p:cNvPr id="16" name="Shape 16"/>
-        <p:cNvGrpSpPr/>
-        <p:nvPr/>
-      </p:nvGrpSpPr>
-      <p:grpSpPr>
-        <a:xfrm>
-          <a:off x="0" y="0"/>
-          <a:ext cx="0" cy="0"/>
-          <a:chOff x="0" y="0"/>
-          <a:chExt cx="0" cy="0"/>
-        </a:xfrm>
-      </p:grpSpPr>
-      <p:sp>
-        <p:nvSpPr>
-          <p:cNvPr id="17" name="Google Shape;17;p3"/>
-          <p:cNvSpPr txBox="1"/>
-          <p:nvPr>
-            <p:ph type="title"/>
-          </p:nvPr>
-        </p:nvSpPr>
-        <p:spPr>
-          <a:xfrm>
-            <a:off x="311700" y="2150850"/>
-            <a:ext cx="8520600" cy="841800"/>
-          </a:xfrm>
-          <a:prstGeom prst="rect">
-            <a:avLst/>
-          </a:prstGeom>
-        </p:spPr>
-        <p:txBody>
-          <a:bodyPr anchorCtr="0" anchor="ctr" bIns="91425" lIns="91425" spcFirstLastPara="1" rIns="91425" wrap="square" tIns="91425">
-            <a:normAutofit/>
-          </a:bodyPr>
-          <a:lstStyle>
-            <a:lvl1pPr lvl="0" algn="ctr">
-              <a:spcBef>
-                <a:spcPts val="0"/>
-              </a:spcBef>
-              <a:spcAft>
-                <a:spcPts val="0"/>
-              </a:spcAft>
-              <a:buSzPts val="3600"/>
-              <a:buNone/>
-              <a:defRPr sz="3600"/>
-            </a:lvl1pPr>
-            <a:lvl2pPr lvl="1" algn="ctr">
-              <a:spcBef>
-                <a:spcPts val="0"/>
-              </a:spcBef>
-              <a:spcAft>
-                <a:spcPts val="0"/>
-              </a:spcAft>
-              <a:buSzPts val="3600"/>
-              <a:buNone/>
-              <a:defRPr sz="3600"/>
-            </a:lvl2pPr>
-            <a:lvl3pPr lvl="2" algn="ctr">
-              <a:spcBef>
-                <a:spcPts val="0"/>
-              </a:spcBef>
-              <a:spcAft>
-                <a:spcPts val="0"/>
-              </a:spcAft>
-              <a:buSzPts val="3600"/>
-              <a:buNone/>
-              <a:defRPr sz="3600"/>
-            </a:lvl3pPr>
-            <a:lvl4pPr lvl="3" algn="ctr">
-              <a:spcBef>
-                <a:spcPts val="0"/>
-              </a:spcBef>
-              <a:spcAft>
-                <a:spcPts val="0"/>
-              </a:spcAft>
-              <a:buSzPts val="3600"/>
-              <a:buNone/>
-              <a:defRPr sz="3600"/>
-            </a:lvl4pPr>
-            <a:lvl5pPr lvl="4" algn="ctr">
-              <a:spcBef>
-                <a:spcPts val="0"/>
-              </a:spcBef>
-              <a:spcAft>
-                <a:spcPts val="0"/>
-              </a:spcAft>
-              <a:buSzPts val="3600"/>
-              <a:buNone/>
-              <a:defRPr sz="3600"/>
-            </a:lvl5pPr>
-            <a:lvl6pPr lvl="5" algn="ctr">
-              <a:spcBef>
-                <a:spcPts val="0"/>
-              </a:spcBef>
-              <a:spcAft>
-                <a:spcPts val="0"/>
-              </a:spcAft>
-              <a:buSzPts val="3600"/>
-              <a:buNone/>
-              <a:defRPr sz="3600"/>
-            </a:lvl6pPr>
-            <a:lvl7pPr lvl="6" algn="ctr">
-              <a:spcBef>
-                <a:spcPts val="0"/>
-              </a:spcBef>
-              <a:spcAft>
-                <a:spcPts val="0"/>
-              </a:spcAft>
-              <a:buSzPts val="3600"/>
-              <a:buNone/>
-              <a:defRPr sz="3600"/>
-            </a:lvl7pPr>
-            <a:lvl8pPr lvl="7" algn="ctr">
-              <a:spcBef>
-                <a:spcPts val="0"/>
-              </a:spcBef>
-              <a:spcAft>
-                <a:spcPts val="0"/>
-              </a:spcAft>
-              <a:buSzPts val="3600"/>
-              <a:buNone/>
-              <a:defRPr sz="3600"/>
-            </a:lvl8pPr>
-            <a:lvl9pPr lvl="8" algn="ctr">
-              <a:spcBef>
-                <a:spcPts val="0"/>
-              </a:spcBef>
-              <a:spcAft>
-                <a:spcPts val="0"/>
-              </a:spcAft>
-              <a:buSzPts val="3600"/>
-              <a:buNone/>
-              <a:defRPr sz="3600"/>
-            </a:lvl9pPr>
-          </a:lstStyle>
-          <a:p/>
-        </p:txBody>
-      </p:sp>
-      <p:sp>
-        <p:nvSpPr>
-          <p:cNvPr id="18" name="Google Shape;18;p3"/>
-          <p:cNvSpPr txBox="1"/>
-          <p:nvPr>
-            <p:ph idx="12" type="sldNum"/>
-          </p:nvPr>
-        </p:nvSpPr>
-        <p:spPr>
-          <a:xfrm>
-            <a:off x="8472458" y="4663217"/>
-            <a:ext cx="548700" cy="393600"/>
-          </a:xfrm>
-          <a:prstGeom prst="rect">
-            <a:avLst/>
-          </a:prstGeom>
-        </p:spPr>
-        <p:txBody>
-          <a:bodyPr anchorCtr="0" anchor="ctr" bIns="91425" lIns="91425" spcFirstLastPara="1" rIns="91425" wrap="square" tIns="91425">
-            <a:normAutofit/>
-          </a:bodyPr>
-          <a:lstStyle>
-            <a:lvl1pPr lvl="0">
-              <a:buNone/>
-              <a:defRPr/>
-            </a:lvl1pPr>
-            <a:lvl2pPr lvl="1">
-              <a:buNone/>
-              <a:defRPr/>
-            </a:lvl2pPr>
-            <a:lvl3pPr lvl="2">
-              <a:buNone/>
-              <a:defRPr/>
-            </a:lvl3pPr>
-            <a:lvl4pPr lvl="3">
-              <a:buNone/>
-              <a:defRPr/>
-            </a:lvl4pPr>
-            <a:lvl5pPr lvl="4">
-              <a:buNone/>
-              <a:defRPr/>
-            </a:lvl5pPr>
-            <a:lvl6pPr lvl="5">
-              <a:buNone/>
-              <a:defRPr/>
-            </a:lvl6pPr>
-            <a:lvl7pPr lvl="6">
-              <a:buNone/>
-              <a:defRPr/>
-            </a:lvl7pPr>
-            <a:lvl8pPr lvl="7">
-              <a:buNone/>
-              <a:defRPr/>
-            </a:lvl8pPr>
-            <a:lvl9pPr lvl="8">
-              <a:buNone/>
-              <a:defRPr/>
-            </a:lvl9pPr>
-          </a:lstStyle>
-          <a:p>
-            <a:pPr indent="0" lvl="0" marL="0" rtl="0" algn="r">
-              <a:spcBef>
-                <a:spcPts val="0"/>
-              </a:spcBef>
-              <a:spcAft>
-                <a:spcPts val="0"/>
-              </a:spcAft>
-              <a:buNone/>
-            </a:pPr>
-            <a:fld id="{00000000-1234-1234-1234-123412341234}" type="slidenum">
-              <a:rPr lang="en"/>
-              <a:t>‹#›</a:t>
-            </a:fld>
-            <a:endParaRPr/>
-          </a:p>
-        </p:txBody>
-      </p:sp>
-    </p:spTree>
-  </p:cSld>
-  <p:clrMapOvr>
-    <a:masterClrMapping/>
-  </p:clrMapOvr>
-</p:sldLayout>
-</file>
-
-<file path=ppt/slideLayouts/slideLayout3.xml><?xml version="1.0" encoding="utf-8"?>
-<p:sldLayout xmlns:a="http://schemas.openxmlformats.org/drawingml/2006/main" xmlns:r="http://schemas.openxmlformats.org/officeDocument/2006/relationships" xmlns:mc="http://schemas.openxmlformats.org/markup-compatibility/2006" xmlns:mv="urn:schemas-microsoft-com:mac:vml" xmlns:p="http://schemas.openxmlformats.org/presentationml/2006/main" xmlns:c="http://schemas.openxmlformats.org/drawingml/2006/chart" xmlns:dgm="http://schemas.openxmlformats.org/drawingml/2006/diagram" xmlns:o="urn:schemas-microsoft-com:office:office" xmlns:v="urn:schemas-microsoft-com:vml" xmlns:pvml="urn:schemas-microsoft-com:office:powerpoint" xmlns:com="http://schemas.openxmlformats.org/drawingml/2006/compatibility" xmlns:p14="http://schemas.microsoft.com/office/powerpoint/2010/main" xmlns:p15="http://schemas.microsoft.com/office/powerpoint/2012/main" xmlns:ahyp="http://schemas.microsoft.com/office/drawing/2018/hyperlinkcolor" matchingName="Title and body" type="tx">
+<p:sldLayout xmlns:a="http://schemas.openxmlformats.org/drawingml/2006/main" xmlns:r="http://schemas.openxmlformats.org/officeDocument/2006/relationships" xmlns:p="http://schemas.openxmlformats.org/presentationml/2006/main" matchingName="Title and body" type="tx">
   <p:cSld name="TITLE_AND_BODY">
     <p:spTree>
       <p:nvGrpSpPr>
-        <p:cNvPr id="19" name="Shape 19"/>
+        <p:cNvPr id="1" name="Shape 19"/>
         <p:cNvGrpSpPr/>
         <p:nvPr/>
       </p:nvGrpSpPr>
@@ -1782,7 +1739,9 @@
       <p:sp>
         <p:nvSpPr>
           <p:cNvPr id="20" name="Google Shape;20;p4"/>
-          <p:cNvSpPr txBox="1"/>
+          <p:cNvSpPr txBox="1">
+            <a:spLocks noGrp="1"/>
+          </p:cNvSpPr>
           <p:nvPr>
             <p:ph type="title"/>
           </p:nvPr>
@@ -1797,7 +1756,7 @@
           </a:prstGeom>
         </p:spPr>
         <p:txBody>
-          <a:bodyPr anchorCtr="0" anchor="t" bIns="91425" lIns="91425" spcFirstLastPara="1" rIns="91425" wrap="square" tIns="91425">
+          <a:bodyPr spcFirstLastPara="1" wrap="square" lIns="91425" tIns="91425" rIns="91425" bIns="91425" anchor="t" anchorCtr="0">
             <a:normAutofit/>
           </a:bodyPr>
           <a:lstStyle>
@@ -1901,15 +1860,19 @@
               <a:defRPr/>
             </a:lvl9pPr>
           </a:lstStyle>
-          <a:p/>
+          <a:p>
+            <a:endParaRPr/>
+          </a:p>
         </p:txBody>
       </p:sp>
       <p:sp>
         <p:nvSpPr>
           <p:cNvPr id="21" name="Google Shape;21;p4"/>
-          <p:cNvSpPr txBox="1"/>
+          <p:cNvSpPr txBox="1">
+            <a:spLocks noGrp="1"/>
+          </p:cNvSpPr>
           <p:nvPr>
-            <p:ph idx="1" type="body"/>
+            <p:ph type="body" idx="1"/>
           </p:nvPr>
         </p:nvSpPr>
         <p:spPr>
@@ -1922,11 +1885,11 @@
           </a:prstGeom>
         </p:spPr>
         <p:txBody>
-          <a:bodyPr anchorCtr="0" anchor="t" bIns="91425" lIns="91425" spcFirstLastPara="1" rIns="91425" wrap="square" tIns="91425">
+          <a:bodyPr spcFirstLastPara="1" wrap="square" lIns="91425" tIns="91425" rIns="91425" bIns="91425" anchor="t" anchorCtr="0">
             <a:normAutofit/>
           </a:bodyPr>
           <a:lstStyle>
-            <a:lvl1pPr indent="-342900" lvl="0" marL="457200">
+            <a:lvl1pPr marL="457200" lvl="0" indent="-342900">
               <a:spcBef>
                 <a:spcPts val="0"/>
               </a:spcBef>
@@ -1937,7 +1900,7 @@
               <a:buChar char="●"/>
               <a:defRPr/>
             </a:lvl1pPr>
-            <a:lvl2pPr indent="-317500" lvl="1" marL="914400">
+            <a:lvl2pPr marL="914400" lvl="1" indent="-317500">
               <a:spcBef>
                 <a:spcPts val="0"/>
               </a:spcBef>
@@ -1948,7 +1911,7 @@
               <a:buChar char="○"/>
               <a:defRPr/>
             </a:lvl2pPr>
-            <a:lvl3pPr indent="-317500" lvl="2" marL="1371600">
+            <a:lvl3pPr marL="1371600" lvl="2" indent="-317500">
               <a:spcBef>
                 <a:spcPts val="0"/>
               </a:spcBef>
@@ -1959,7 +1922,7 @@
               <a:buChar char="■"/>
               <a:defRPr/>
             </a:lvl3pPr>
-            <a:lvl4pPr indent="-317500" lvl="3" marL="1828800">
+            <a:lvl4pPr marL="1828800" lvl="3" indent="-317500">
               <a:spcBef>
                 <a:spcPts val="0"/>
               </a:spcBef>
@@ -1970,7 +1933,7 @@
               <a:buChar char="●"/>
               <a:defRPr/>
             </a:lvl4pPr>
-            <a:lvl5pPr indent="-317500" lvl="4" marL="2286000">
+            <a:lvl5pPr marL="2286000" lvl="4" indent="-317500">
               <a:spcBef>
                 <a:spcPts val="0"/>
               </a:spcBef>
@@ -1981,7 +1944,7 @@
               <a:buChar char="○"/>
               <a:defRPr/>
             </a:lvl5pPr>
-            <a:lvl6pPr indent="-317500" lvl="5" marL="2743200">
+            <a:lvl6pPr marL="2743200" lvl="5" indent="-317500">
               <a:spcBef>
                 <a:spcPts val="0"/>
               </a:spcBef>
@@ -1992,7 +1955,7 @@
               <a:buChar char="■"/>
               <a:defRPr/>
             </a:lvl6pPr>
-            <a:lvl7pPr indent="-317500" lvl="6" marL="3200400">
+            <a:lvl7pPr marL="3200400" lvl="6" indent="-317500">
               <a:spcBef>
                 <a:spcPts val="0"/>
               </a:spcBef>
@@ -2003,7 +1966,7 @@
               <a:buChar char="●"/>
               <a:defRPr/>
             </a:lvl7pPr>
-            <a:lvl8pPr indent="-317500" lvl="7" marL="3657600">
+            <a:lvl8pPr marL="3657600" lvl="7" indent="-317500">
               <a:spcBef>
                 <a:spcPts val="0"/>
               </a:spcBef>
@@ -2014,7 +1977,7 @@
               <a:buChar char="○"/>
               <a:defRPr/>
             </a:lvl8pPr>
-            <a:lvl9pPr indent="-317500" lvl="8" marL="4114800">
+            <a:lvl9pPr marL="4114800" lvl="8" indent="-317500">
               <a:spcBef>
                 <a:spcPts val="0"/>
               </a:spcBef>
@@ -2026,15 +1989,19 @@
               <a:defRPr/>
             </a:lvl9pPr>
           </a:lstStyle>
-          <a:p/>
+          <a:p>
+            <a:endParaRPr/>
+          </a:p>
         </p:txBody>
       </p:sp>
       <p:sp>
         <p:nvSpPr>
           <p:cNvPr id="22" name="Google Shape;22;p4"/>
-          <p:cNvSpPr txBox="1"/>
+          <p:cNvSpPr txBox="1">
+            <a:spLocks noGrp="1"/>
+          </p:cNvSpPr>
           <p:nvPr>
-            <p:ph idx="12" type="sldNum"/>
+            <p:ph type="sldNum" idx="12"/>
           </p:nvPr>
         </p:nvSpPr>
         <p:spPr>
@@ -2047,7 +2014,7 @@
           </a:prstGeom>
         </p:spPr>
         <p:txBody>
-          <a:bodyPr anchorCtr="0" anchor="ctr" bIns="91425" lIns="91425" spcFirstLastPara="1" rIns="91425" wrap="square" tIns="91425">
+          <a:bodyPr spcFirstLastPara="1" wrap="square" lIns="91425" tIns="91425" rIns="91425" bIns="91425" anchor="ctr" anchorCtr="0">
             <a:normAutofit/>
           </a:bodyPr>
           <a:lstStyle>
@@ -2089,7 +2056,7 @@
             </a:lvl9pPr>
           </a:lstStyle>
           <a:p>
-            <a:pPr indent="0" lvl="0" marL="0" rtl="0" algn="r">
+            <a:pPr marL="0" lvl="0" indent="0" algn="r" rtl="0">
               <a:spcBef>
                 <a:spcPts val="0"/>
               </a:spcBef>
@@ -2118,9 +2085,13 @@
             <a:ext cx="8577210" cy="1606185"/>
           </a:xfrm>
           <a:custGeom>
-            <a:rect b="b" l="l" r="r" t="t"/>
+            <a:avLst/>
+            <a:gdLst/>
+            <a:ahLst/>
+            <a:cxnLst/>
+            <a:rect l="l" t="t" r="r" b="b"/>
             <a:pathLst>
-              <a:path extrusionOk="0" h="2480595" w="9802526">
+              <a:path w="9802526" h="2480595" extrusionOk="0">
                 <a:moveTo>
                   <a:pt x="708089" y="421724"/>
                 </a:moveTo>
@@ -2176,12 +2147,12 @@
           </a:ln>
         </p:spPr>
         <p:txBody>
-          <a:bodyPr anchorCtr="0" anchor="ctr" bIns="45700" lIns="91425" spcFirstLastPara="1" rIns="91425" wrap="square" tIns="45700">
+          <a:bodyPr spcFirstLastPara="1" wrap="square" lIns="91425" tIns="45700" rIns="91425" bIns="45700" anchor="ctr" anchorCtr="0">
             <a:noAutofit/>
           </a:bodyPr>
           <a:lstStyle/>
           <a:p>
-            <a:pPr indent="0" lvl="0" marL="0" marR="0" rtl="0" algn="ctr">
+            <a:pPr marL="0" marR="0" lvl="0" indent="0" algn="ctr" rtl="0">
               <a:lnSpc>
                 <a:spcPct val="100000"/>
               </a:lnSpc>
@@ -2198,10 +2169,7 @@
               <a:buFont typeface="Arial"/>
               <a:buNone/>
             </a:pPr>
-            <a:r>
-              <a:t/>
-            </a:r>
-            <a:endParaRPr b="0" i="0" sz="1800" u="none" cap="none" strike="noStrike">
+            <a:endParaRPr sz="1800" b="0" i="0" u="none" strike="noStrike" cap="none">
               <a:solidFill>
                 <a:srgbClr val="FFFFFF"/>
               </a:solidFill>
@@ -2225,9 +2193,13 @@
             <a:ext cx="8328264" cy="1707363"/>
           </a:xfrm>
           <a:custGeom>
-            <a:rect b="b" l="l" r="r" t="t"/>
+            <a:avLst/>
+            <a:gdLst/>
+            <a:ahLst/>
+            <a:cxnLst/>
+            <a:rect l="l" t="t" r="r" b="b"/>
             <a:pathLst>
-              <a:path extrusionOk="0" h="3104296" w="9357600">
+              <a:path w="9357600" h="3104296" extrusionOk="0">
                 <a:moveTo>
                   <a:pt x="585853" y="2809464"/>
                 </a:moveTo>
@@ -2283,12 +2255,12 @@
           </a:ln>
         </p:spPr>
         <p:txBody>
-          <a:bodyPr anchorCtr="0" anchor="ctr" bIns="45700" lIns="91425" spcFirstLastPara="1" rIns="91425" wrap="square" tIns="45700">
+          <a:bodyPr spcFirstLastPara="1" wrap="square" lIns="91425" tIns="45700" rIns="91425" bIns="45700" anchor="ctr" anchorCtr="0">
             <a:noAutofit/>
           </a:bodyPr>
           <a:lstStyle/>
           <a:p>
-            <a:pPr indent="0" lvl="0" marL="0" marR="0" rtl="0" algn="ctr">
+            <a:pPr marL="0" marR="0" lvl="0" indent="0" algn="ctr" rtl="0">
               <a:lnSpc>
                 <a:spcPct val="100000"/>
               </a:lnSpc>
@@ -2305,10 +2277,7 @@
               <a:buFont typeface="Arial"/>
               <a:buNone/>
             </a:pPr>
-            <a:r>
-              <a:t/>
-            </a:r>
-            <a:endParaRPr b="0" i="0" sz="1800" u="none" cap="none" strike="noStrike">
+            <a:endParaRPr sz="1800" b="0" i="0" u="none" strike="noStrike" cap="none">
               <a:solidFill>
                 <a:srgbClr val="FFFFFF"/>
               </a:solidFill>
@@ -2356,12 +2325,245 @@
 </p:sldLayout>
 </file>
 
+<file path=ppt/slideLayouts/slideLayout3.xml><?xml version="1.0" encoding="utf-8"?>
+<p:sldLayout xmlns:a="http://schemas.openxmlformats.org/drawingml/2006/main" xmlns:r="http://schemas.openxmlformats.org/officeDocument/2006/relationships" xmlns:p="http://schemas.openxmlformats.org/presentationml/2006/main" matchingName="Section header" type="secHead">
+  <p:cSld name="SECTION_HEADER">
+    <p:spTree>
+      <p:nvGrpSpPr>
+        <p:cNvPr id="1" name="Shape 16"/>
+        <p:cNvGrpSpPr/>
+        <p:nvPr/>
+      </p:nvGrpSpPr>
+      <p:grpSpPr>
+        <a:xfrm>
+          <a:off x="0" y="0"/>
+          <a:ext cx="0" cy="0"/>
+          <a:chOff x="0" y="0"/>
+          <a:chExt cx="0" cy="0"/>
+        </a:xfrm>
+      </p:grpSpPr>
+      <p:sp>
+        <p:nvSpPr>
+          <p:cNvPr id="17" name="Google Shape;17;p3"/>
+          <p:cNvSpPr txBox="1">
+            <a:spLocks noGrp="1"/>
+          </p:cNvSpPr>
+          <p:nvPr>
+            <p:ph type="title"/>
+          </p:nvPr>
+        </p:nvSpPr>
+        <p:spPr>
+          <a:xfrm>
+            <a:off x="311700" y="2150850"/>
+            <a:ext cx="8520600" cy="841800"/>
+          </a:xfrm>
+          <a:prstGeom prst="rect">
+            <a:avLst/>
+          </a:prstGeom>
+        </p:spPr>
+        <p:txBody>
+          <a:bodyPr spcFirstLastPara="1" wrap="square" lIns="91425" tIns="91425" rIns="91425" bIns="91425" anchor="ctr" anchorCtr="0">
+            <a:normAutofit/>
+          </a:bodyPr>
+          <a:lstStyle>
+            <a:lvl1pPr lvl="0" algn="ctr">
+              <a:spcBef>
+                <a:spcPts val="0"/>
+              </a:spcBef>
+              <a:spcAft>
+                <a:spcPts val="0"/>
+              </a:spcAft>
+              <a:buSzPts val="3600"/>
+              <a:buNone/>
+              <a:defRPr sz="3600"/>
+            </a:lvl1pPr>
+            <a:lvl2pPr lvl="1" algn="ctr">
+              <a:spcBef>
+                <a:spcPts val="0"/>
+              </a:spcBef>
+              <a:spcAft>
+                <a:spcPts val="0"/>
+              </a:spcAft>
+              <a:buSzPts val="3600"/>
+              <a:buNone/>
+              <a:defRPr sz="3600"/>
+            </a:lvl2pPr>
+            <a:lvl3pPr lvl="2" algn="ctr">
+              <a:spcBef>
+                <a:spcPts val="0"/>
+              </a:spcBef>
+              <a:spcAft>
+                <a:spcPts val="0"/>
+              </a:spcAft>
+              <a:buSzPts val="3600"/>
+              <a:buNone/>
+              <a:defRPr sz="3600"/>
+            </a:lvl3pPr>
+            <a:lvl4pPr lvl="3" algn="ctr">
+              <a:spcBef>
+                <a:spcPts val="0"/>
+              </a:spcBef>
+              <a:spcAft>
+                <a:spcPts val="0"/>
+              </a:spcAft>
+              <a:buSzPts val="3600"/>
+              <a:buNone/>
+              <a:defRPr sz="3600"/>
+            </a:lvl4pPr>
+            <a:lvl5pPr lvl="4" algn="ctr">
+              <a:spcBef>
+                <a:spcPts val="0"/>
+              </a:spcBef>
+              <a:spcAft>
+                <a:spcPts val="0"/>
+              </a:spcAft>
+              <a:buSzPts val="3600"/>
+              <a:buNone/>
+              <a:defRPr sz="3600"/>
+            </a:lvl5pPr>
+            <a:lvl6pPr lvl="5" algn="ctr">
+              <a:spcBef>
+                <a:spcPts val="0"/>
+              </a:spcBef>
+              <a:spcAft>
+                <a:spcPts val="0"/>
+              </a:spcAft>
+              <a:buSzPts val="3600"/>
+              <a:buNone/>
+              <a:defRPr sz="3600"/>
+            </a:lvl6pPr>
+            <a:lvl7pPr lvl="6" algn="ctr">
+              <a:spcBef>
+                <a:spcPts val="0"/>
+              </a:spcBef>
+              <a:spcAft>
+                <a:spcPts val="0"/>
+              </a:spcAft>
+              <a:buSzPts val="3600"/>
+              <a:buNone/>
+              <a:defRPr sz="3600"/>
+            </a:lvl7pPr>
+            <a:lvl8pPr lvl="7" algn="ctr">
+              <a:spcBef>
+                <a:spcPts val="0"/>
+              </a:spcBef>
+              <a:spcAft>
+                <a:spcPts val="0"/>
+              </a:spcAft>
+              <a:buSzPts val="3600"/>
+              <a:buNone/>
+              <a:defRPr sz="3600"/>
+            </a:lvl8pPr>
+            <a:lvl9pPr lvl="8" algn="ctr">
+              <a:spcBef>
+                <a:spcPts val="0"/>
+              </a:spcBef>
+              <a:spcAft>
+                <a:spcPts val="0"/>
+              </a:spcAft>
+              <a:buSzPts val="3600"/>
+              <a:buNone/>
+              <a:defRPr sz="3600"/>
+            </a:lvl9pPr>
+          </a:lstStyle>
+          <a:p>
+            <a:endParaRPr/>
+          </a:p>
+        </p:txBody>
+      </p:sp>
+      <p:sp>
+        <p:nvSpPr>
+          <p:cNvPr id="18" name="Google Shape;18;p3"/>
+          <p:cNvSpPr txBox="1">
+            <a:spLocks noGrp="1"/>
+          </p:cNvSpPr>
+          <p:nvPr>
+            <p:ph type="sldNum" idx="12"/>
+          </p:nvPr>
+        </p:nvSpPr>
+        <p:spPr>
+          <a:xfrm>
+            <a:off x="8472458" y="4663217"/>
+            <a:ext cx="548700" cy="393600"/>
+          </a:xfrm>
+          <a:prstGeom prst="rect">
+            <a:avLst/>
+          </a:prstGeom>
+        </p:spPr>
+        <p:txBody>
+          <a:bodyPr spcFirstLastPara="1" wrap="square" lIns="91425" tIns="91425" rIns="91425" bIns="91425" anchor="ctr" anchorCtr="0">
+            <a:normAutofit/>
+          </a:bodyPr>
+          <a:lstStyle>
+            <a:lvl1pPr lvl="0">
+              <a:buNone/>
+              <a:defRPr/>
+            </a:lvl1pPr>
+            <a:lvl2pPr lvl="1">
+              <a:buNone/>
+              <a:defRPr/>
+            </a:lvl2pPr>
+            <a:lvl3pPr lvl="2">
+              <a:buNone/>
+              <a:defRPr/>
+            </a:lvl3pPr>
+            <a:lvl4pPr lvl="3">
+              <a:buNone/>
+              <a:defRPr/>
+            </a:lvl4pPr>
+            <a:lvl5pPr lvl="4">
+              <a:buNone/>
+              <a:defRPr/>
+            </a:lvl5pPr>
+            <a:lvl6pPr lvl="5">
+              <a:buNone/>
+              <a:defRPr/>
+            </a:lvl6pPr>
+            <a:lvl7pPr lvl="6">
+              <a:buNone/>
+              <a:defRPr/>
+            </a:lvl7pPr>
+            <a:lvl8pPr lvl="7">
+              <a:buNone/>
+              <a:defRPr/>
+            </a:lvl8pPr>
+            <a:lvl9pPr lvl="8">
+              <a:buNone/>
+              <a:defRPr/>
+            </a:lvl9pPr>
+          </a:lstStyle>
+          <a:p>
+            <a:pPr marL="0" lvl="0" indent="0" algn="r" rtl="0">
+              <a:spcBef>
+                <a:spcPts val="0"/>
+              </a:spcBef>
+              <a:spcAft>
+                <a:spcPts val="0"/>
+              </a:spcAft>
+              <a:buNone/>
+            </a:pPr>
+            <a:fld id="{00000000-1234-1234-1234-123412341234}" type="slidenum">
+              <a:rPr lang="en"/>
+              <a:t>‹#›</a:t>
+            </a:fld>
+            <a:endParaRPr/>
+          </a:p>
+        </p:txBody>
+      </p:sp>
+    </p:spTree>
+  </p:cSld>
+  <p:clrMapOvr>
+    <a:masterClrMapping/>
+  </p:clrMapOvr>
+</p:sldLayout>
+</file>
+
 <file path=ppt/slideLayouts/slideLayout4.xml><?xml version="1.0" encoding="utf-8"?>
-<p:sldLayout xmlns:a="http://schemas.openxmlformats.org/drawingml/2006/main" xmlns:r="http://schemas.openxmlformats.org/officeDocument/2006/relationships" xmlns:mc="http://schemas.openxmlformats.org/markup-compatibility/2006" xmlns:mv="urn:schemas-microsoft-com:mac:vml" xmlns:p="http://schemas.openxmlformats.org/presentationml/2006/main" xmlns:c="http://schemas.openxmlformats.org/drawingml/2006/chart" xmlns:dgm="http://schemas.openxmlformats.org/drawingml/2006/diagram" xmlns:o="urn:schemas-microsoft-com:office:office" xmlns:v="urn:schemas-microsoft-com:vml" xmlns:pvml="urn:schemas-microsoft-com:office:powerpoint" xmlns:com="http://schemas.openxmlformats.org/drawingml/2006/compatibility" xmlns:p14="http://schemas.microsoft.com/office/powerpoint/2010/main" xmlns:p15="http://schemas.microsoft.com/office/powerpoint/2012/main" xmlns:ahyp="http://schemas.microsoft.com/office/drawing/2018/hyperlinkcolor" matchingName="Title and two columns" type="twoColTx">
+<p:sldLayout xmlns:a="http://schemas.openxmlformats.org/drawingml/2006/main" xmlns:r="http://schemas.openxmlformats.org/officeDocument/2006/relationships" xmlns:p="http://schemas.openxmlformats.org/presentationml/2006/main" matchingName="Title and two columns" type="twoColTx">
   <p:cSld name="TITLE_AND_TWO_COLUMNS">
     <p:spTree>
       <p:nvGrpSpPr>
-        <p:cNvPr id="26" name="Shape 26"/>
+        <p:cNvPr id="1" name="Shape 26"/>
         <p:cNvGrpSpPr/>
         <p:nvPr/>
       </p:nvGrpSpPr>
@@ -2376,7 +2578,9 @@
       <p:sp>
         <p:nvSpPr>
           <p:cNvPr id="27" name="Google Shape;27;p5"/>
-          <p:cNvSpPr txBox="1"/>
+          <p:cNvSpPr txBox="1">
+            <a:spLocks noGrp="1"/>
+          </p:cNvSpPr>
           <p:nvPr>
             <p:ph type="title"/>
           </p:nvPr>
@@ -2391,7 +2595,7 @@
           </a:prstGeom>
         </p:spPr>
         <p:txBody>
-          <a:bodyPr anchorCtr="0" anchor="t" bIns="91425" lIns="91425" spcFirstLastPara="1" rIns="91425" wrap="square" tIns="91425">
+          <a:bodyPr spcFirstLastPara="1" wrap="square" lIns="91425" tIns="91425" rIns="91425" bIns="91425" anchor="t" anchorCtr="0">
             <a:normAutofit/>
           </a:bodyPr>
           <a:lstStyle>
@@ -2495,15 +2699,19 @@
               <a:defRPr/>
             </a:lvl9pPr>
           </a:lstStyle>
-          <a:p/>
+          <a:p>
+            <a:endParaRPr/>
+          </a:p>
         </p:txBody>
       </p:sp>
       <p:sp>
         <p:nvSpPr>
           <p:cNvPr id="28" name="Google Shape;28;p5"/>
-          <p:cNvSpPr txBox="1"/>
+          <p:cNvSpPr txBox="1">
+            <a:spLocks noGrp="1"/>
+          </p:cNvSpPr>
           <p:nvPr>
-            <p:ph idx="1" type="body"/>
+            <p:ph type="body" idx="1"/>
           </p:nvPr>
         </p:nvSpPr>
         <p:spPr>
@@ -2516,11 +2724,11 @@
           </a:prstGeom>
         </p:spPr>
         <p:txBody>
-          <a:bodyPr anchorCtr="0" anchor="t" bIns="91425" lIns="91425" spcFirstLastPara="1" rIns="91425" wrap="square" tIns="91425">
+          <a:bodyPr spcFirstLastPara="1" wrap="square" lIns="91425" tIns="91425" rIns="91425" bIns="91425" anchor="t" anchorCtr="0">
             <a:normAutofit/>
           </a:bodyPr>
           <a:lstStyle>
-            <a:lvl1pPr indent="-317500" lvl="0" marL="457200">
+            <a:lvl1pPr marL="457200" lvl="0" indent="-317500">
               <a:spcBef>
                 <a:spcPts val="0"/>
               </a:spcBef>
@@ -2531,7 +2739,7 @@
               <a:buChar char="●"/>
               <a:defRPr sz="1400"/>
             </a:lvl1pPr>
-            <a:lvl2pPr indent="-304800" lvl="1" marL="914400">
+            <a:lvl2pPr marL="914400" lvl="1" indent="-304800">
               <a:spcBef>
                 <a:spcPts val="0"/>
               </a:spcBef>
@@ -2542,7 +2750,7 @@
               <a:buChar char="○"/>
               <a:defRPr sz="1200"/>
             </a:lvl2pPr>
-            <a:lvl3pPr indent="-304800" lvl="2" marL="1371600">
+            <a:lvl3pPr marL="1371600" lvl="2" indent="-304800">
               <a:spcBef>
                 <a:spcPts val="0"/>
               </a:spcBef>
@@ -2553,7 +2761,7 @@
               <a:buChar char="■"/>
               <a:defRPr sz="1200"/>
             </a:lvl3pPr>
-            <a:lvl4pPr indent="-304800" lvl="3" marL="1828800">
+            <a:lvl4pPr marL="1828800" lvl="3" indent="-304800">
               <a:spcBef>
                 <a:spcPts val="0"/>
               </a:spcBef>
@@ -2564,7 +2772,7 @@
               <a:buChar char="●"/>
               <a:defRPr sz="1200"/>
             </a:lvl4pPr>
-            <a:lvl5pPr indent="-304800" lvl="4" marL="2286000">
+            <a:lvl5pPr marL="2286000" lvl="4" indent="-304800">
               <a:spcBef>
                 <a:spcPts val="0"/>
               </a:spcBef>
@@ -2575,7 +2783,7 @@
               <a:buChar char="○"/>
               <a:defRPr sz="1200"/>
             </a:lvl5pPr>
-            <a:lvl6pPr indent="-304800" lvl="5" marL="2743200">
+            <a:lvl6pPr marL="2743200" lvl="5" indent="-304800">
               <a:spcBef>
                 <a:spcPts val="0"/>
               </a:spcBef>
@@ -2586,7 +2794,7 @@
               <a:buChar char="■"/>
               <a:defRPr sz="1200"/>
             </a:lvl6pPr>
-            <a:lvl7pPr indent="-304800" lvl="6" marL="3200400">
+            <a:lvl7pPr marL="3200400" lvl="6" indent="-304800">
               <a:spcBef>
                 <a:spcPts val="0"/>
               </a:spcBef>
@@ -2597,7 +2805,7 @@
               <a:buChar char="●"/>
               <a:defRPr sz="1200"/>
             </a:lvl7pPr>
-            <a:lvl8pPr indent="-304800" lvl="7" marL="3657600">
+            <a:lvl8pPr marL="3657600" lvl="7" indent="-304800">
               <a:spcBef>
                 <a:spcPts val="0"/>
               </a:spcBef>
@@ -2608,7 +2816,7 @@
               <a:buChar char="○"/>
               <a:defRPr sz="1200"/>
             </a:lvl8pPr>
-            <a:lvl9pPr indent="-304800" lvl="8" marL="4114800">
+            <a:lvl9pPr marL="4114800" lvl="8" indent="-304800">
               <a:spcBef>
                 <a:spcPts val="0"/>
               </a:spcBef>
@@ -2620,15 +2828,19 @@
               <a:defRPr sz="1200"/>
             </a:lvl9pPr>
           </a:lstStyle>
-          <a:p/>
+          <a:p>
+            <a:endParaRPr/>
+          </a:p>
         </p:txBody>
       </p:sp>
       <p:sp>
         <p:nvSpPr>
           <p:cNvPr id="29" name="Google Shape;29;p5"/>
-          <p:cNvSpPr txBox="1"/>
+          <p:cNvSpPr txBox="1">
+            <a:spLocks noGrp="1"/>
+          </p:cNvSpPr>
           <p:nvPr>
-            <p:ph idx="2" type="body"/>
+            <p:ph type="body" idx="2"/>
           </p:nvPr>
         </p:nvSpPr>
         <p:spPr>
@@ -2641,11 +2853,11 @@
           </a:prstGeom>
         </p:spPr>
         <p:txBody>
-          <a:bodyPr anchorCtr="0" anchor="t" bIns="91425" lIns="91425" spcFirstLastPara="1" rIns="91425" wrap="square" tIns="91425">
+          <a:bodyPr spcFirstLastPara="1" wrap="square" lIns="91425" tIns="91425" rIns="91425" bIns="91425" anchor="t" anchorCtr="0">
             <a:normAutofit/>
           </a:bodyPr>
           <a:lstStyle>
-            <a:lvl1pPr indent="-317500" lvl="0" marL="457200">
+            <a:lvl1pPr marL="457200" lvl="0" indent="-317500">
               <a:spcBef>
                 <a:spcPts val="0"/>
               </a:spcBef>
@@ -2656,7 +2868,7 @@
               <a:buChar char="●"/>
               <a:defRPr sz="1400"/>
             </a:lvl1pPr>
-            <a:lvl2pPr indent="-304800" lvl="1" marL="914400">
+            <a:lvl2pPr marL="914400" lvl="1" indent="-304800">
               <a:spcBef>
                 <a:spcPts val="0"/>
               </a:spcBef>
@@ -2667,7 +2879,7 @@
               <a:buChar char="○"/>
               <a:defRPr sz="1200"/>
             </a:lvl2pPr>
-            <a:lvl3pPr indent="-304800" lvl="2" marL="1371600">
+            <a:lvl3pPr marL="1371600" lvl="2" indent="-304800">
               <a:spcBef>
                 <a:spcPts val="0"/>
               </a:spcBef>
@@ -2678,7 +2890,7 @@
               <a:buChar char="■"/>
               <a:defRPr sz="1200"/>
             </a:lvl3pPr>
-            <a:lvl4pPr indent="-304800" lvl="3" marL="1828800">
+            <a:lvl4pPr marL="1828800" lvl="3" indent="-304800">
               <a:spcBef>
                 <a:spcPts val="0"/>
               </a:spcBef>
@@ -2689,7 +2901,7 @@
               <a:buChar char="●"/>
               <a:defRPr sz="1200"/>
             </a:lvl4pPr>
-            <a:lvl5pPr indent="-304800" lvl="4" marL="2286000">
+            <a:lvl5pPr marL="2286000" lvl="4" indent="-304800">
               <a:spcBef>
                 <a:spcPts val="0"/>
               </a:spcBef>
@@ -2700,7 +2912,7 @@
               <a:buChar char="○"/>
               <a:defRPr sz="1200"/>
             </a:lvl5pPr>
-            <a:lvl6pPr indent="-304800" lvl="5" marL="2743200">
+            <a:lvl6pPr marL="2743200" lvl="5" indent="-304800">
               <a:spcBef>
                 <a:spcPts val="0"/>
               </a:spcBef>
@@ -2711,7 +2923,7 @@
               <a:buChar char="■"/>
               <a:defRPr sz="1200"/>
             </a:lvl6pPr>
-            <a:lvl7pPr indent="-304800" lvl="6" marL="3200400">
+            <a:lvl7pPr marL="3200400" lvl="6" indent="-304800">
               <a:spcBef>
                 <a:spcPts val="0"/>
               </a:spcBef>
@@ -2722,7 +2934,7 @@
               <a:buChar char="●"/>
               <a:defRPr sz="1200"/>
             </a:lvl7pPr>
-            <a:lvl8pPr indent="-304800" lvl="7" marL="3657600">
+            <a:lvl8pPr marL="3657600" lvl="7" indent="-304800">
               <a:spcBef>
                 <a:spcPts val="0"/>
               </a:spcBef>
@@ -2733,7 +2945,7 @@
               <a:buChar char="○"/>
               <a:defRPr sz="1200"/>
             </a:lvl8pPr>
-            <a:lvl9pPr indent="-304800" lvl="8" marL="4114800">
+            <a:lvl9pPr marL="4114800" lvl="8" indent="-304800">
               <a:spcBef>
                 <a:spcPts val="0"/>
               </a:spcBef>
@@ -2745,15 +2957,19 @@
               <a:defRPr sz="1200"/>
             </a:lvl9pPr>
           </a:lstStyle>
-          <a:p/>
+          <a:p>
+            <a:endParaRPr/>
+          </a:p>
         </p:txBody>
       </p:sp>
       <p:sp>
         <p:nvSpPr>
           <p:cNvPr id="30" name="Google Shape;30;p5"/>
-          <p:cNvSpPr txBox="1"/>
+          <p:cNvSpPr txBox="1">
+            <a:spLocks noGrp="1"/>
+          </p:cNvSpPr>
           <p:nvPr>
-            <p:ph idx="12" type="sldNum"/>
+            <p:ph type="sldNum" idx="12"/>
           </p:nvPr>
         </p:nvSpPr>
         <p:spPr>
@@ -2766,7 +2982,7 @@
           </a:prstGeom>
         </p:spPr>
         <p:txBody>
-          <a:bodyPr anchorCtr="0" anchor="ctr" bIns="91425" lIns="91425" spcFirstLastPara="1" rIns="91425" wrap="square" tIns="91425">
+          <a:bodyPr spcFirstLastPara="1" wrap="square" lIns="91425" tIns="91425" rIns="91425" bIns="91425" anchor="ctr" anchorCtr="0">
             <a:normAutofit/>
           </a:bodyPr>
           <a:lstStyle>
@@ -2808,7 +3024,7 @@
             </a:lvl9pPr>
           </a:lstStyle>
           <a:p>
-            <a:pPr indent="0" lvl="0" marL="0" rtl="0" algn="r">
+            <a:pPr marL="0" lvl="0" indent="0" algn="r" rtl="0">
               <a:spcBef>
                 <a:spcPts val="0"/>
               </a:spcBef>
@@ -2834,11 +3050,11 @@
 </file>
 
 <file path=ppt/slideLayouts/slideLayout5.xml><?xml version="1.0" encoding="utf-8"?>
-<p:sldLayout xmlns:a="http://schemas.openxmlformats.org/drawingml/2006/main" xmlns:r="http://schemas.openxmlformats.org/officeDocument/2006/relationships" xmlns:mc="http://schemas.openxmlformats.org/markup-compatibility/2006" xmlns:mv="urn:schemas-microsoft-com:mac:vml" xmlns:p="http://schemas.openxmlformats.org/presentationml/2006/main" xmlns:c="http://schemas.openxmlformats.org/drawingml/2006/chart" xmlns:dgm="http://schemas.openxmlformats.org/drawingml/2006/diagram" xmlns:o="urn:schemas-microsoft-com:office:office" xmlns:v="urn:schemas-microsoft-com:vml" xmlns:pvml="urn:schemas-microsoft-com:office:powerpoint" xmlns:com="http://schemas.openxmlformats.org/drawingml/2006/compatibility" xmlns:p14="http://schemas.microsoft.com/office/powerpoint/2010/main" xmlns:p15="http://schemas.microsoft.com/office/powerpoint/2012/main" xmlns:ahyp="http://schemas.microsoft.com/office/drawing/2018/hyperlinkcolor" matchingName="Title only" type="titleOnly">
+<p:sldLayout xmlns:a="http://schemas.openxmlformats.org/drawingml/2006/main" xmlns:r="http://schemas.openxmlformats.org/officeDocument/2006/relationships" xmlns:p="http://schemas.openxmlformats.org/presentationml/2006/main" matchingName="Title only" type="titleOnly">
   <p:cSld name="TITLE_ONLY">
     <p:spTree>
       <p:nvGrpSpPr>
-        <p:cNvPr id="31" name="Shape 31"/>
+        <p:cNvPr id="1" name="Shape 31"/>
         <p:cNvGrpSpPr/>
         <p:nvPr/>
       </p:nvGrpSpPr>
@@ -2853,7 +3069,9 @@
       <p:sp>
         <p:nvSpPr>
           <p:cNvPr id="32" name="Google Shape;32;p6"/>
-          <p:cNvSpPr txBox="1"/>
+          <p:cNvSpPr txBox="1">
+            <a:spLocks noGrp="1"/>
+          </p:cNvSpPr>
           <p:nvPr>
             <p:ph type="title"/>
           </p:nvPr>
@@ -2868,7 +3086,7 @@
           </a:prstGeom>
         </p:spPr>
         <p:txBody>
-          <a:bodyPr anchorCtr="0" anchor="t" bIns="91425" lIns="91425" spcFirstLastPara="1" rIns="91425" wrap="square" tIns="91425">
+          <a:bodyPr spcFirstLastPara="1" wrap="square" lIns="91425" tIns="91425" rIns="91425" bIns="91425" anchor="t" anchorCtr="0">
             <a:normAutofit/>
           </a:bodyPr>
           <a:lstStyle>
@@ -2972,15 +3190,19 @@
               <a:defRPr/>
             </a:lvl9pPr>
           </a:lstStyle>
-          <a:p/>
+          <a:p>
+            <a:endParaRPr/>
+          </a:p>
         </p:txBody>
       </p:sp>
       <p:sp>
         <p:nvSpPr>
           <p:cNvPr id="33" name="Google Shape;33;p6"/>
-          <p:cNvSpPr txBox="1"/>
+          <p:cNvSpPr txBox="1">
+            <a:spLocks noGrp="1"/>
+          </p:cNvSpPr>
           <p:nvPr>
-            <p:ph idx="12" type="sldNum"/>
+            <p:ph type="sldNum" idx="12"/>
           </p:nvPr>
         </p:nvSpPr>
         <p:spPr>
@@ -2993,7 +3215,7 @@
           </a:prstGeom>
         </p:spPr>
         <p:txBody>
-          <a:bodyPr anchorCtr="0" anchor="ctr" bIns="91425" lIns="91425" spcFirstLastPara="1" rIns="91425" wrap="square" tIns="91425">
+          <a:bodyPr spcFirstLastPara="1" wrap="square" lIns="91425" tIns="91425" rIns="91425" bIns="91425" anchor="ctr" anchorCtr="0">
             <a:normAutofit/>
           </a:bodyPr>
           <a:lstStyle>
@@ -3035,7 +3257,7 @@
             </a:lvl9pPr>
           </a:lstStyle>
           <a:p>
-            <a:pPr indent="0" lvl="0" marL="0" rtl="0" algn="r">
+            <a:pPr marL="0" lvl="0" indent="0" algn="r" rtl="0">
               <a:spcBef>
                 <a:spcPts val="0"/>
               </a:spcBef>
@@ -3061,11 +3283,11 @@
 </file>
 
 <file path=ppt/slideLayouts/slideLayout6.xml><?xml version="1.0" encoding="utf-8"?>
-<p:sldLayout xmlns:a="http://schemas.openxmlformats.org/drawingml/2006/main" xmlns:r="http://schemas.openxmlformats.org/officeDocument/2006/relationships" xmlns:mc="http://schemas.openxmlformats.org/markup-compatibility/2006" xmlns:mv="urn:schemas-microsoft-com:mac:vml" xmlns:p="http://schemas.openxmlformats.org/presentationml/2006/main" xmlns:c="http://schemas.openxmlformats.org/drawingml/2006/chart" xmlns:dgm="http://schemas.openxmlformats.org/drawingml/2006/diagram" xmlns:o="urn:schemas-microsoft-com:office:office" xmlns:v="urn:schemas-microsoft-com:vml" xmlns:pvml="urn:schemas-microsoft-com:office:powerpoint" xmlns:com="http://schemas.openxmlformats.org/drawingml/2006/compatibility" xmlns:p14="http://schemas.microsoft.com/office/powerpoint/2010/main" xmlns:p15="http://schemas.microsoft.com/office/powerpoint/2012/main" xmlns:ahyp="http://schemas.microsoft.com/office/drawing/2018/hyperlinkcolor" matchingName="One column text">
+<p:sldLayout xmlns:a="http://schemas.openxmlformats.org/drawingml/2006/main" xmlns:r="http://schemas.openxmlformats.org/officeDocument/2006/relationships" xmlns:p="http://schemas.openxmlformats.org/presentationml/2006/main" matchingName="One column text">
   <p:cSld name="ONE_COLUMN_TEXT">
     <p:spTree>
       <p:nvGrpSpPr>
-        <p:cNvPr id="34" name="Shape 34"/>
+        <p:cNvPr id="1" name="Shape 34"/>
         <p:cNvGrpSpPr/>
         <p:nvPr/>
       </p:nvGrpSpPr>
@@ -3080,7 +3302,9 @@
       <p:sp>
         <p:nvSpPr>
           <p:cNvPr id="35" name="Google Shape;35;p7"/>
-          <p:cNvSpPr txBox="1"/>
+          <p:cNvSpPr txBox="1">
+            <a:spLocks noGrp="1"/>
+          </p:cNvSpPr>
           <p:nvPr>
             <p:ph type="title"/>
           </p:nvPr>
@@ -3095,7 +3319,7 @@
           </a:prstGeom>
         </p:spPr>
         <p:txBody>
-          <a:bodyPr anchorCtr="0" anchor="b" bIns="91425" lIns="91425" spcFirstLastPara="1" rIns="91425" wrap="square" tIns="91425">
+          <a:bodyPr spcFirstLastPara="1" wrap="square" lIns="91425" tIns="91425" rIns="91425" bIns="91425" anchor="b" anchorCtr="0">
             <a:normAutofit/>
           </a:bodyPr>
           <a:lstStyle>
@@ -3199,15 +3423,19 @@
               <a:defRPr sz="2400"/>
             </a:lvl9pPr>
           </a:lstStyle>
-          <a:p/>
+          <a:p>
+            <a:endParaRPr/>
+          </a:p>
         </p:txBody>
       </p:sp>
       <p:sp>
         <p:nvSpPr>
           <p:cNvPr id="36" name="Google Shape;36;p7"/>
-          <p:cNvSpPr txBox="1"/>
+          <p:cNvSpPr txBox="1">
+            <a:spLocks noGrp="1"/>
+          </p:cNvSpPr>
           <p:nvPr>
-            <p:ph idx="1" type="body"/>
+            <p:ph type="body" idx="1"/>
           </p:nvPr>
         </p:nvSpPr>
         <p:spPr>
@@ -3220,11 +3448,11 @@
           </a:prstGeom>
         </p:spPr>
         <p:txBody>
-          <a:bodyPr anchorCtr="0" anchor="t" bIns="91425" lIns="91425" spcFirstLastPara="1" rIns="91425" wrap="square" tIns="91425">
+          <a:bodyPr spcFirstLastPara="1" wrap="square" lIns="91425" tIns="91425" rIns="91425" bIns="91425" anchor="t" anchorCtr="0">
             <a:normAutofit/>
           </a:bodyPr>
           <a:lstStyle>
-            <a:lvl1pPr indent="-304800" lvl="0" marL="457200">
+            <a:lvl1pPr marL="457200" lvl="0" indent="-304800">
               <a:spcBef>
                 <a:spcPts val="0"/>
               </a:spcBef>
@@ -3235,7 +3463,7 @@
               <a:buChar char="●"/>
               <a:defRPr sz="1200"/>
             </a:lvl1pPr>
-            <a:lvl2pPr indent="-304800" lvl="1" marL="914400">
+            <a:lvl2pPr marL="914400" lvl="1" indent="-304800">
               <a:spcBef>
                 <a:spcPts val="0"/>
               </a:spcBef>
@@ -3246,7 +3474,7 @@
               <a:buChar char="○"/>
               <a:defRPr sz="1200"/>
             </a:lvl2pPr>
-            <a:lvl3pPr indent="-304800" lvl="2" marL="1371600">
+            <a:lvl3pPr marL="1371600" lvl="2" indent="-304800">
               <a:spcBef>
                 <a:spcPts val="0"/>
               </a:spcBef>
@@ -3257,7 +3485,7 @@
               <a:buChar char="■"/>
               <a:defRPr sz="1200"/>
             </a:lvl3pPr>
-            <a:lvl4pPr indent="-304800" lvl="3" marL="1828800">
+            <a:lvl4pPr marL="1828800" lvl="3" indent="-304800">
               <a:spcBef>
                 <a:spcPts val="0"/>
               </a:spcBef>
@@ -3268,7 +3496,7 @@
               <a:buChar char="●"/>
               <a:defRPr sz="1200"/>
             </a:lvl4pPr>
-            <a:lvl5pPr indent="-304800" lvl="4" marL="2286000">
+            <a:lvl5pPr marL="2286000" lvl="4" indent="-304800">
               <a:spcBef>
                 <a:spcPts val="0"/>
               </a:spcBef>
@@ -3279,7 +3507,7 @@
               <a:buChar char="○"/>
               <a:defRPr sz="1200"/>
             </a:lvl5pPr>
-            <a:lvl6pPr indent="-304800" lvl="5" marL="2743200">
+            <a:lvl6pPr marL="2743200" lvl="5" indent="-304800">
               <a:spcBef>
                 <a:spcPts val="0"/>
               </a:spcBef>
@@ -3290,7 +3518,7 @@
               <a:buChar char="■"/>
               <a:defRPr sz="1200"/>
             </a:lvl6pPr>
-            <a:lvl7pPr indent="-304800" lvl="6" marL="3200400">
+            <a:lvl7pPr marL="3200400" lvl="6" indent="-304800">
               <a:spcBef>
                 <a:spcPts val="0"/>
               </a:spcBef>
@@ -3301,7 +3529,7 @@
               <a:buChar char="●"/>
               <a:defRPr sz="1200"/>
             </a:lvl7pPr>
-            <a:lvl8pPr indent="-304800" lvl="7" marL="3657600">
+            <a:lvl8pPr marL="3657600" lvl="7" indent="-304800">
               <a:spcBef>
                 <a:spcPts val="0"/>
               </a:spcBef>
@@ -3312,7 +3540,7 @@
               <a:buChar char="○"/>
               <a:defRPr sz="1200"/>
             </a:lvl8pPr>
-            <a:lvl9pPr indent="-304800" lvl="8" marL="4114800">
+            <a:lvl9pPr marL="4114800" lvl="8" indent="-304800">
               <a:spcBef>
                 <a:spcPts val="0"/>
               </a:spcBef>
@@ -3324,15 +3552,19 @@
               <a:defRPr sz="1200"/>
             </a:lvl9pPr>
           </a:lstStyle>
-          <a:p/>
+          <a:p>
+            <a:endParaRPr/>
+          </a:p>
         </p:txBody>
       </p:sp>
       <p:sp>
         <p:nvSpPr>
           <p:cNvPr id="37" name="Google Shape;37;p7"/>
-          <p:cNvSpPr txBox="1"/>
+          <p:cNvSpPr txBox="1">
+            <a:spLocks noGrp="1"/>
+          </p:cNvSpPr>
           <p:nvPr>
-            <p:ph idx="12" type="sldNum"/>
+            <p:ph type="sldNum" idx="12"/>
           </p:nvPr>
         </p:nvSpPr>
         <p:spPr>
@@ -3345,7 +3577,7 @@
           </a:prstGeom>
         </p:spPr>
         <p:txBody>
-          <a:bodyPr anchorCtr="0" anchor="ctr" bIns="91425" lIns="91425" spcFirstLastPara="1" rIns="91425" wrap="square" tIns="91425">
+          <a:bodyPr spcFirstLastPara="1" wrap="square" lIns="91425" tIns="91425" rIns="91425" bIns="91425" anchor="ctr" anchorCtr="0">
             <a:normAutofit/>
           </a:bodyPr>
           <a:lstStyle>
@@ -3387,7 +3619,7 @@
             </a:lvl9pPr>
           </a:lstStyle>
           <a:p>
-            <a:pPr indent="0" lvl="0" marL="0" rtl="0" algn="r">
+            <a:pPr marL="0" lvl="0" indent="0" algn="r" rtl="0">
               <a:spcBef>
                 <a:spcPts val="0"/>
               </a:spcBef>
@@ -3413,11 +3645,11 @@
 </file>
 
 <file path=ppt/slideLayouts/slideLayout7.xml><?xml version="1.0" encoding="utf-8"?>
-<p:sldLayout xmlns:a="http://schemas.openxmlformats.org/drawingml/2006/main" xmlns:r="http://schemas.openxmlformats.org/officeDocument/2006/relationships" xmlns:mc="http://schemas.openxmlformats.org/markup-compatibility/2006" xmlns:mv="urn:schemas-microsoft-com:mac:vml" xmlns:p="http://schemas.openxmlformats.org/presentationml/2006/main" xmlns:c="http://schemas.openxmlformats.org/drawingml/2006/chart" xmlns:dgm="http://schemas.openxmlformats.org/drawingml/2006/diagram" xmlns:o="urn:schemas-microsoft-com:office:office" xmlns:v="urn:schemas-microsoft-com:vml" xmlns:pvml="urn:schemas-microsoft-com:office:powerpoint" xmlns:com="http://schemas.openxmlformats.org/drawingml/2006/compatibility" xmlns:p14="http://schemas.microsoft.com/office/powerpoint/2010/main" xmlns:p15="http://schemas.microsoft.com/office/powerpoint/2012/main" xmlns:ahyp="http://schemas.microsoft.com/office/drawing/2018/hyperlinkcolor" matchingName="Main point">
+<p:sldLayout xmlns:a="http://schemas.openxmlformats.org/drawingml/2006/main" xmlns:r="http://schemas.openxmlformats.org/officeDocument/2006/relationships" xmlns:p="http://schemas.openxmlformats.org/presentationml/2006/main" matchingName="Main point">
   <p:cSld name="MAIN_POINT">
     <p:spTree>
       <p:nvGrpSpPr>
-        <p:cNvPr id="38" name="Shape 38"/>
+        <p:cNvPr id="1" name="Shape 38"/>
         <p:cNvGrpSpPr/>
         <p:nvPr/>
       </p:nvGrpSpPr>
@@ -3432,7 +3664,9 @@
       <p:sp>
         <p:nvSpPr>
           <p:cNvPr id="39" name="Google Shape;39;p8"/>
-          <p:cNvSpPr txBox="1"/>
+          <p:cNvSpPr txBox="1">
+            <a:spLocks noGrp="1"/>
+          </p:cNvSpPr>
           <p:nvPr>
             <p:ph type="title"/>
           </p:nvPr>
@@ -3447,7 +3681,7 @@
           </a:prstGeom>
         </p:spPr>
         <p:txBody>
-          <a:bodyPr anchorCtr="0" anchor="ctr" bIns="91425" lIns="91425" spcFirstLastPara="1" rIns="91425" wrap="square" tIns="91425">
+          <a:bodyPr spcFirstLastPara="1" wrap="square" lIns="91425" tIns="91425" rIns="91425" bIns="91425" anchor="ctr" anchorCtr="0">
             <a:normAutofit/>
           </a:bodyPr>
           <a:lstStyle>
@@ -3551,15 +3785,19 @@
               <a:defRPr sz="4800"/>
             </a:lvl9pPr>
           </a:lstStyle>
-          <a:p/>
+          <a:p>
+            <a:endParaRPr/>
+          </a:p>
         </p:txBody>
       </p:sp>
       <p:sp>
         <p:nvSpPr>
           <p:cNvPr id="40" name="Google Shape;40;p8"/>
-          <p:cNvSpPr txBox="1"/>
+          <p:cNvSpPr txBox="1">
+            <a:spLocks noGrp="1"/>
+          </p:cNvSpPr>
           <p:nvPr>
-            <p:ph idx="12" type="sldNum"/>
+            <p:ph type="sldNum" idx="12"/>
           </p:nvPr>
         </p:nvSpPr>
         <p:spPr>
@@ -3572,7 +3810,7 @@
           </a:prstGeom>
         </p:spPr>
         <p:txBody>
-          <a:bodyPr anchorCtr="0" anchor="ctr" bIns="91425" lIns="91425" spcFirstLastPara="1" rIns="91425" wrap="square" tIns="91425">
+          <a:bodyPr spcFirstLastPara="1" wrap="square" lIns="91425" tIns="91425" rIns="91425" bIns="91425" anchor="ctr" anchorCtr="0">
             <a:normAutofit/>
           </a:bodyPr>
           <a:lstStyle>
@@ -3614,7 +3852,7 @@
             </a:lvl9pPr>
           </a:lstStyle>
           <a:p>
-            <a:pPr indent="0" lvl="0" marL="0" rtl="0" algn="r">
+            <a:pPr marL="0" lvl="0" indent="0" algn="r" rtl="0">
               <a:spcBef>
                 <a:spcPts val="0"/>
               </a:spcBef>
@@ -3640,11 +3878,11 @@
 </file>
 
 <file path=ppt/slideLayouts/slideLayout8.xml><?xml version="1.0" encoding="utf-8"?>
-<p:sldLayout xmlns:a="http://schemas.openxmlformats.org/drawingml/2006/main" xmlns:r="http://schemas.openxmlformats.org/officeDocument/2006/relationships" xmlns:mc="http://schemas.openxmlformats.org/markup-compatibility/2006" xmlns:mv="urn:schemas-microsoft-com:mac:vml" xmlns:p="http://schemas.openxmlformats.org/presentationml/2006/main" xmlns:c="http://schemas.openxmlformats.org/drawingml/2006/chart" xmlns:dgm="http://schemas.openxmlformats.org/drawingml/2006/diagram" xmlns:o="urn:schemas-microsoft-com:office:office" xmlns:v="urn:schemas-microsoft-com:vml" xmlns:pvml="urn:schemas-microsoft-com:office:powerpoint" xmlns:com="http://schemas.openxmlformats.org/drawingml/2006/compatibility" xmlns:p14="http://schemas.microsoft.com/office/powerpoint/2010/main" xmlns:p15="http://schemas.microsoft.com/office/powerpoint/2012/main" xmlns:ahyp="http://schemas.microsoft.com/office/drawing/2018/hyperlinkcolor" matchingName="Section title and description">
+<p:sldLayout xmlns:a="http://schemas.openxmlformats.org/drawingml/2006/main" xmlns:r="http://schemas.openxmlformats.org/officeDocument/2006/relationships" xmlns:p="http://schemas.openxmlformats.org/presentationml/2006/main" matchingName="Section title and description">
   <p:cSld name="SECTION_TITLE_AND_DESCRIPTION">
     <p:spTree>
       <p:nvGrpSpPr>
-        <p:cNvPr id="41" name="Shape 41"/>
+        <p:cNvPr id="1" name="Shape 41"/>
         <p:cNvGrpSpPr/>
         <p:nvPr/>
       </p:nvGrpSpPr>
@@ -3678,12 +3916,12 @@
           </a:ln>
         </p:spPr>
         <p:txBody>
-          <a:bodyPr anchorCtr="0" anchor="ctr" bIns="91425" lIns="91425" spcFirstLastPara="1" rIns="91425" wrap="square" tIns="91425">
+          <a:bodyPr spcFirstLastPara="1" wrap="square" lIns="91425" tIns="91425" rIns="91425" bIns="91425" anchor="ctr" anchorCtr="0">
             <a:noAutofit/>
           </a:bodyPr>
           <a:lstStyle/>
           <a:p>
-            <a:pPr indent="0" lvl="0" marL="0" rtl="0" algn="l">
+            <a:pPr marL="0" lvl="0" indent="0" algn="l" rtl="0">
               <a:spcBef>
                 <a:spcPts val="0"/>
               </a:spcBef>
@@ -3692,9 +3930,6 @@
               </a:spcAft>
               <a:buNone/>
             </a:pPr>
-            <a:r>
-              <a:t/>
-            </a:r>
             <a:endParaRPr/>
           </a:p>
         </p:txBody>
@@ -3702,7 +3937,9 @@
       <p:sp>
         <p:nvSpPr>
           <p:cNvPr id="43" name="Google Shape;43;p9"/>
-          <p:cNvSpPr txBox="1"/>
+          <p:cNvSpPr txBox="1">
+            <a:spLocks noGrp="1"/>
+          </p:cNvSpPr>
           <p:nvPr>
             <p:ph type="title"/>
           </p:nvPr>
@@ -3717,7 +3954,7 @@
           </a:prstGeom>
         </p:spPr>
         <p:txBody>
-          <a:bodyPr anchorCtr="0" anchor="b" bIns="91425" lIns="91425" spcFirstLastPara="1" rIns="91425" wrap="square" tIns="91425">
+          <a:bodyPr spcFirstLastPara="1" wrap="square" lIns="91425" tIns="91425" rIns="91425" bIns="91425" anchor="b" anchorCtr="0">
             <a:normAutofit/>
           </a:bodyPr>
           <a:lstStyle>
@@ -3821,15 +4058,19 @@
               <a:defRPr sz="4200"/>
             </a:lvl9pPr>
           </a:lstStyle>
-          <a:p/>
+          <a:p>
+            <a:endParaRPr/>
+          </a:p>
         </p:txBody>
       </p:sp>
       <p:sp>
         <p:nvSpPr>
           <p:cNvPr id="44" name="Google Shape;44;p9"/>
-          <p:cNvSpPr txBox="1"/>
+          <p:cNvSpPr txBox="1">
+            <a:spLocks noGrp="1"/>
+          </p:cNvSpPr>
           <p:nvPr>
-            <p:ph idx="1" type="subTitle"/>
+            <p:ph type="subTitle" idx="1"/>
           </p:nvPr>
         </p:nvSpPr>
         <p:spPr>
@@ -3842,7 +4083,7 @@
           </a:prstGeom>
         </p:spPr>
         <p:txBody>
-          <a:bodyPr anchorCtr="0" anchor="t" bIns="91425" lIns="91425" spcFirstLastPara="1" rIns="91425" wrap="square" tIns="91425">
+          <a:bodyPr spcFirstLastPara="1" wrap="square" lIns="91425" tIns="91425" rIns="91425" bIns="91425" anchor="t" anchorCtr="0">
             <a:normAutofit/>
           </a:bodyPr>
           <a:lstStyle>
@@ -3973,15 +4214,19 @@
               <a:defRPr sz="2100"/>
             </a:lvl9pPr>
           </a:lstStyle>
-          <a:p/>
+          <a:p>
+            <a:endParaRPr/>
+          </a:p>
         </p:txBody>
       </p:sp>
       <p:sp>
         <p:nvSpPr>
           <p:cNvPr id="45" name="Google Shape;45;p9"/>
-          <p:cNvSpPr txBox="1"/>
+          <p:cNvSpPr txBox="1">
+            <a:spLocks noGrp="1"/>
+          </p:cNvSpPr>
           <p:nvPr>
-            <p:ph idx="2" type="body"/>
+            <p:ph type="body" idx="2"/>
           </p:nvPr>
         </p:nvSpPr>
         <p:spPr>
@@ -3994,11 +4239,11 @@
           </a:prstGeom>
         </p:spPr>
         <p:txBody>
-          <a:bodyPr anchorCtr="0" anchor="ctr" bIns="91425" lIns="91425" spcFirstLastPara="1" rIns="91425" wrap="square" tIns="91425">
+          <a:bodyPr spcFirstLastPara="1" wrap="square" lIns="91425" tIns="91425" rIns="91425" bIns="91425" anchor="ctr" anchorCtr="0">
             <a:normAutofit/>
           </a:bodyPr>
           <a:lstStyle>
-            <a:lvl1pPr indent="-342900" lvl="0" marL="457200">
+            <a:lvl1pPr marL="457200" lvl="0" indent="-342900">
               <a:spcBef>
                 <a:spcPts val="0"/>
               </a:spcBef>
@@ -4009,7 +4254,7 @@
               <a:buChar char="●"/>
               <a:defRPr/>
             </a:lvl1pPr>
-            <a:lvl2pPr indent="-317500" lvl="1" marL="914400">
+            <a:lvl2pPr marL="914400" lvl="1" indent="-317500">
               <a:spcBef>
                 <a:spcPts val="0"/>
               </a:spcBef>
@@ -4020,7 +4265,7 @@
               <a:buChar char="○"/>
               <a:defRPr/>
             </a:lvl2pPr>
-            <a:lvl3pPr indent="-317500" lvl="2" marL="1371600">
+            <a:lvl3pPr marL="1371600" lvl="2" indent="-317500">
               <a:spcBef>
                 <a:spcPts val="0"/>
               </a:spcBef>
@@ -4031,7 +4276,7 @@
               <a:buChar char="■"/>
               <a:defRPr/>
             </a:lvl3pPr>
-            <a:lvl4pPr indent="-317500" lvl="3" marL="1828800">
+            <a:lvl4pPr marL="1828800" lvl="3" indent="-317500">
               <a:spcBef>
                 <a:spcPts val="0"/>
               </a:spcBef>
@@ -4042,7 +4287,7 @@
               <a:buChar char="●"/>
               <a:defRPr/>
             </a:lvl4pPr>
-            <a:lvl5pPr indent="-317500" lvl="4" marL="2286000">
+            <a:lvl5pPr marL="2286000" lvl="4" indent="-317500">
               <a:spcBef>
                 <a:spcPts val="0"/>
               </a:spcBef>
@@ -4053,7 +4298,7 @@
               <a:buChar char="○"/>
               <a:defRPr/>
             </a:lvl5pPr>
-            <a:lvl6pPr indent="-317500" lvl="5" marL="2743200">
+            <a:lvl6pPr marL="2743200" lvl="5" indent="-317500">
               <a:spcBef>
                 <a:spcPts val="0"/>
               </a:spcBef>
@@ -4064,7 +4309,7 @@
               <a:buChar char="■"/>
               <a:defRPr/>
             </a:lvl6pPr>
-            <a:lvl7pPr indent="-317500" lvl="6" marL="3200400">
+            <a:lvl7pPr marL="3200400" lvl="6" indent="-317500">
               <a:spcBef>
                 <a:spcPts val="0"/>
               </a:spcBef>
@@ -4075,7 +4320,7 @@
               <a:buChar char="●"/>
               <a:defRPr/>
             </a:lvl7pPr>
-            <a:lvl8pPr indent="-317500" lvl="7" marL="3657600">
+            <a:lvl8pPr marL="3657600" lvl="7" indent="-317500">
               <a:spcBef>
                 <a:spcPts val="0"/>
               </a:spcBef>
@@ -4086,7 +4331,7 @@
               <a:buChar char="○"/>
               <a:defRPr/>
             </a:lvl8pPr>
-            <a:lvl9pPr indent="-317500" lvl="8" marL="4114800">
+            <a:lvl9pPr marL="4114800" lvl="8" indent="-317500">
               <a:spcBef>
                 <a:spcPts val="0"/>
               </a:spcBef>
@@ -4098,15 +4343,19 @@
               <a:defRPr/>
             </a:lvl9pPr>
           </a:lstStyle>
-          <a:p/>
+          <a:p>
+            <a:endParaRPr/>
+          </a:p>
         </p:txBody>
       </p:sp>
       <p:sp>
         <p:nvSpPr>
           <p:cNvPr id="46" name="Google Shape;46;p9"/>
-          <p:cNvSpPr txBox="1"/>
+          <p:cNvSpPr txBox="1">
+            <a:spLocks noGrp="1"/>
+          </p:cNvSpPr>
           <p:nvPr>
-            <p:ph idx="12" type="sldNum"/>
+            <p:ph type="sldNum" idx="12"/>
           </p:nvPr>
         </p:nvSpPr>
         <p:spPr>
@@ -4119,7 +4368,7 @@
           </a:prstGeom>
         </p:spPr>
         <p:txBody>
-          <a:bodyPr anchorCtr="0" anchor="ctr" bIns="91425" lIns="91425" spcFirstLastPara="1" rIns="91425" wrap="square" tIns="91425">
+          <a:bodyPr spcFirstLastPara="1" wrap="square" lIns="91425" tIns="91425" rIns="91425" bIns="91425" anchor="ctr" anchorCtr="0">
             <a:normAutofit/>
           </a:bodyPr>
           <a:lstStyle>
@@ -4161,7 +4410,7 @@
             </a:lvl9pPr>
           </a:lstStyle>
           <a:p>
-            <a:pPr indent="0" lvl="0" marL="0" rtl="0" algn="r">
+            <a:pPr marL="0" lvl="0" indent="0" algn="r" rtl="0">
               <a:spcBef>
                 <a:spcPts val="0"/>
               </a:spcBef>
@@ -4187,11 +4436,11 @@
 </file>
 
 <file path=ppt/slideLayouts/slideLayout9.xml><?xml version="1.0" encoding="utf-8"?>
-<p:sldLayout xmlns:a="http://schemas.openxmlformats.org/drawingml/2006/main" xmlns:r="http://schemas.openxmlformats.org/officeDocument/2006/relationships" xmlns:mc="http://schemas.openxmlformats.org/markup-compatibility/2006" xmlns:mv="urn:schemas-microsoft-com:mac:vml" xmlns:p="http://schemas.openxmlformats.org/presentationml/2006/main" xmlns:c="http://schemas.openxmlformats.org/drawingml/2006/chart" xmlns:dgm="http://schemas.openxmlformats.org/drawingml/2006/diagram" xmlns:o="urn:schemas-microsoft-com:office:office" xmlns:v="urn:schemas-microsoft-com:vml" xmlns:pvml="urn:schemas-microsoft-com:office:powerpoint" xmlns:com="http://schemas.openxmlformats.org/drawingml/2006/compatibility" xmlns:p14="http://schemas.microsoft.com/office/powerpoint/2010/main" xmlns:p15="http://schemas.microsoft.com/office/powerpoint/2012/main" xmlns:ahyp="http://schemas.microsoft.com/office/drawing/2018/hyperlinkcolor" matchingName="Caption">
+<p:sldLayout xmlns:a="http://schemas.openxmlformats.org/drawingml/2006/main" xmlns:r="http://schemas.openxmlformats.org/officeDocument/2006/relationships" xmlns:p="http://schemas.openxmlformats.org/presentationml/2006/main" matchingName="Caption">
   <p:cSld name="CAPTION_ONLY">
     <p:spTree>
       <p:nvGrpSpPr>
-        <p:cNvPr id="47" name="Shape 47"/>
+        <p:cNvPr id="1" name="Shape 47"/>
         <p:cNvGrpSpPr/>
         <p:nvPr/>
       </p:nvGrpSpPr>
@@ -4206,9 +4455,11 @@
       <p:sp>
         <p:nvSpPr>
           <p:cNvPr id="48" name="Google Shape;48;p10"/>
-          <p:cNvSpPr txBox="1"/>
+          <p:cNvSpPr txBox="1">
+            <a:spLocks noGrp="1"/>
+          </p:cNvSpPr>
           <p:nvPr>
-            <p:ph idx="12" type="sldNum"/>
+            <p:ph type="sldNum" idx="12"/>
           </p:nvPr>
         </p:nvSpPr>
         <p:spPr>
@@ -4221,7 +4472,7 @@
           </a:prstGeom>
         </p:spPr>
         <p:txBody>
-          <a:bodyPr anchorCtr="0" anchor="ctr" bIns="91425" lIns="91425" spcFirstLastPara="1" rIns="91425" wrap="square" tIns="91425">
+          <a:bodyPr spcFirstLastPara="1" wrap="square" lIns="91425" tIns="91425" rIns="91425" bIns="91425" anchor="ctr" anchorCtr="0">
             <a:normAutofit/>
           </a:bodyPr>
           <a:lstStyle>
@@ -4263,7 +4514,7 @@
             </a:lvl9pPr>
           </a:lstStyle>
           <a:p>
-            <a:pPr indent="0" lvl="0" marL="0" rtl="0" algn="r">
+            <a:pPr marL="0" lvl="0" indent="0" algn="r" rtl="0">
               <a:spcBef>
                 <a:spcPts val="0"/>
               </a:spcBef>
@@ -4300,12 +4551,12 @@
           </a:ln>
         </p:spPr>
         <p:txBody>
-          <a:bodyPr anchorCtr="0" anchor="t" bIns="45700" lIns="91425" spcFirstLastPara="1" rIns="91425" wrap="square" tIns="45700">
+          <a:bodyPr spcFirstLastPara="1" wrap="square" lIns="91425" tIns="45700" rIns="91425" bIns="45700" anchor="t" anchorCtr="0">
             <a:noAutofit/>
           </a:bodyPr>
           <a:lstStyle/>
           <a:p>
-            <a:pPr indent="0" lvl="0" marL="0" marR="0" rtl="0" algn="l">
+            <a:pPr marL="0" marR="0" lvl="0" indent="0" algn="l" rtl="0">
               <a:lnSpc>
                 <a:spcPct val="100000"/>
               </a:lnSpc>
@@ -4334,7 +4585,7 @@
               </a:rPr>
               <a:t>Thank you!</a:t>
             </a:r>
-            <a:endParaRPr b="0" i="0" sz="2400" u="none" cap="none" strike="noStrike">
+            <a:endParaRPr sz="2400" b="0" i="0" u="none" strike="noStrike" cap="none">
               <a:solidFill>
                 <a:srgbClr val="000000"/>
               </a:solidFill>
@@ -4358,9 +4609,13 @@
             <a:ext cx="8421840" cy="1715124"/>
           </a:xfrm>
           <a:custGeom>
-            <a:rect b="b" l="l" r="r" t="t"/>
+            <a:avLst/>
+            <a:gdLst/>
+            <a:ahLst/>
+            <a:cxnLst/>
+            <a:rect l="l" t="t" r="r" b="b"/>
             <a:pathLst>
-              <a:path extrusionOk="0" h="3104296" w="9357600">
+              <a:path w="9357600" h="3104296" extrusionOk="0">
                 <a:moveTo>
                   <a:pt x="585853" y="2809464"/>
                 </a:moveTo>
@@ -4416,12 +4671,12 @@
           </a:ln>
         </p:spPr>
         <p:txBody>
-          <a:bodyPr anchorCtr="0" anchor="ctr" bIns="45700" lIns="91425" spcFirstLastPara="1" rIns="91425" wrap="square" tIns="45700">
+          <a:bodyPr spcFirstLastPara="1" wrap="square" lIns="91425" tIns="45700" rIns="91425" bIns="45700" anchor="ctr" anchorCtr="0">
             <a:noAutofit/>
           </a:bodyPr>
           <a:lstStyle/>
           <a:p>
-            <a:pPr indent="0" lvl="0" marL="0" marR="0" rtl="0" algn="ctr">
+            <a:pPr marL="0" marR="0" lvl="0" indent="0" algn="ctr" rtl="0">
               <a:lnSpc>
                 <a:spcPct val="100000"/>
               </a:lnSpc>
@@ -4438,10 +4693,7 @@
               <a:buFont typeface="Arial"/>
               <a:buNone/>
             </a:pPr>
-            <a:r>
-              <a:t/>
-            </a:r>
-            <a:endParaRPr b="0" i="0" sz="1800" u="none" cap="none" strike="noStrike">
+            <a:endParaRPr sz="1800" b="0" i="0" u="none" strike="noStrike" cap="none">
               <a:solidFill>
                 <a:srgbClr val="FFFFFF"/>
               </a:solidFill>
@@ -4465,9 +4717,13 @@
             <a:ext cx="8650729" cy="1618588"/>
           </a:xfrm>
           <a:custGeom>
-            <a:rect b="b" l="l" r="r" t="t"/>
+            <a:avLst/>
+            <a:gdLst/>
+            <a:ahLst/>
+            <a:cxnLst/>
+            <a:rect l="l" t="t" r="r" b="b"/>
             <a:pathLst>
-              <a:path extrusionOk="0" h="2480595" w="9802526">
+              <a:path w="9802526" h="2480595" extrusionOk="0">
                 <a:moveTo>
                   <a:pt x="708089" y="421724"/>
                 </a:moveTo>
@@ -4523,12 +4779,12 @@
           </a:ln>
         </p:spPr>
         <p:txBody>
-          <a:bodyPr anchorCtr="0" anchor="ctr" bIns="45700" lIns="91425" spcFirstLastPara="1" rIns="91425" wrap="square" tIns="45700">
+          <a:bodyPr spcFirstLastPara="1" wrap="square" lIns="91425" tIns="45700" rIns="91425" bIns="45700" anchor="ctr" anchorCtr="0">
             <a:noAutofit/>
           </a:bodyPr>
           <a:lstStyle/>
           <a:p>
-            <a:pPr indent="0" lvl="0" marL="0" marR="0" rtl="0" algn="ctr">
+            <a:pPr marL="0" marR="0" lvl="0" indent="0" algn="ctr" rtl="0">
               <a:lnSpc>
                 <a:spcPct val="100000"/>
               </a:lnSpc>
@@ -4545,10 +4801,7 @@
               <a:buFont typeface="Arial"/>
               <a:buNone/>
             </a:pPr>
-            <a:r>
-              <a:t/>
-            </a:r>
-            <a:endParaRPr b="0" i="0" sz="1800" u="none" cap="none" strike="noStrike">
+            <a:endParaRPr sz="1800" b="0" i="0" u="none" strike="noStrike" cap="none">
               <a:solidFill>
                 <a:srgbClr val="FFFFFF"/>
               </a:solidFill>
@@ -4580,12 +4833,12 @@
           </a:ln>
         </p:spPr>
         <p:txBody>
-          <a:bodyPr anchorCtr="0" anchor="t" bIns="45700" lIns="91425" spcFirstLastPara="1" rIns="91425" wrap="square" tIns="45700">
+          <a:bodyPr spcFirstLastPara="1" wrap="square" lIns="91425" tIns="45700" rIns="91425" bIns="45700" anchor="t" anchorCtr="0">
             <a:noAutofit/>
           </a:bodyPr>
           <a:lstStyle/>
           <a:p>
-            <a:pPr indent="0" lvl="0" marL="0" marR="0" rtl="0" algn="l">
+            <a:pPr marL="0" marR="0" lvl="0" indent="0" algn="l" rtl="0">
               <a:lnSpc>
                 <a:spcPct val="100000"/>
               </a:lnSpc>
@@ -4614,7 +4867,7 @@
               </a:rPr>
               <a:t>aiclub.world</a:t>
             </a:r>
-            <a:endParaRPr b="0" i="0" sz="4500" u="none" cap="none" strike="noStrike">
+            <a:endParaRPr sz="4500" b="0" i="0" u="none" strike="noStrike" cap="none">
               <a:solidFill>
                 <a:srgbClr val="F04E23"/>
               </a:solidFill>
@@ -4663,18 +4916,19 @@
 </file>
 
 <file path=ppt/slideMasters/slideMaster1.xml><?xml version="1.0" encoding="utf-8"?>
-<p:sldMaster xmlns:a="http://schemas.openxmlformats.org/drawingml/2006/main" xmlns:r="http://schemas.openxmlformats.org/officeDocument/2006/relationships" xmlns:mc="http://schemas.openxmlformats.org/markup-compatibility/2006" xmlns:mv="urn:schemas-microsoft-com:mac:vml" xmlns:p="http://schemas.openxmlformats.org/presentationml/2006/main" xmlns:c="http://schemas.openxmlformats.org/drawingml/2006/chart" xmlns:dgm="http://schemas.openxmlformats.org/drawingml/2006/diagram" xmlns:o="urn:schemas-microsoft-com:office:office" xmlns:v="urn:schemas-microsoft-com:vml" xmlns:pvml="urn:schemas-microsoft-com:office:powerpoint" xmlns:com="http://schemas.openxmlformats.org/drawingml/2006/compatibility" xmlns:p14="http://schemas.microsoft.com/office/powerpoint/2010/main" xmlns:p15="http://schemas.microsoft.com/office/powerpoint/2012/main" xmlns:ahyp="http://schemas.microsoft.com/office/drawing/2018/hyperlinkcolor">
+<p:sldMaster xmlns:a="http://schemas.openxmlformats.org/drawingml/2006/main" xmlns:r="http://schemas.openxmlformats.org/officeDocument/2006/relationships" xmlns:p="http://schemas.openxmlformats.org/presentationml/2006/main">
   <p:cSld name="simple-light-2">
     <p:bg>
       <p:bgPr>
         <a:solidFill>
           <a:schemeClr val="lt1"/>
         </a:solidFill>
+        <a:effectLst/>
       </p:bgPr>
     </p:bg>
     <p:spTree>
       <p:nvGrpSpPr>
-        <p:cNvPr id="5" name="Shape 5"/>
+        <p:cNvPr id="1" name="Shape 5"/>
         <p:cNvGrpSpPr/>
         <p:nvPr/>
       </p:nvGrpSpPr>
@@ -4689,7 +4943,9 @@
       <p:sp>
         <p:nvSpPr>
           <p:cNvPr id="6" name="Google Shape;6;p1"/>
-          <p:cNvSpPr txBox="1"/>
+          <p:cNvSpPr txBox="1">
+            <a:spLocks noGrp="1"/>
+          </p:cNvSpPr>
           <p:nvPr>
             <p:ph type="title"/>
           </p:nvPr>
@@ -4708,7 +4964,7 @@
           </a:ln>
         </p:spPr>
         <p:txBody>
-          <a:bodyPr anchorCtr="0" anchor="t" bIns="91425" lIns="91425" spcFirstLastPara="1" rIns="91425" wrap="square" tIns="91425">
+          <a:bodyPr spcFirstLastPara="1" wrap="square" lIns="91425" tIns="91425" rIns="91425" bIns="91425" anchor="t" anchorCtr="0">
             <a:normAutofit/>
           </a:bodyPr>
           <a:lstStyle>
@@ -4875,15 +5131,19 @@
               </a:defRPr>
             </a:lvl9pPr>
           </a:lstStyle>
-          <a:p/>
+          <a:p>
+            <a:endParaRPr/>
+          </a:p>
         </p:txBody>
       </p:sp>
       <p:sp>
         <p:nvSpPr>
           <p:cNvPr id="7" name="Google Shape;7;p1"/>
-          <p:cNvSpPr txBox="1"/>
+          <p:cNvSpPr txBox="1">
+            <a:spLocks noGrp="1"/>
+          </p:cNvSpPr>
           <p:nvPr>
-            <p:ph idx="1" type="body"/>
+            <p:ph type="body" idx="1"/>
           </p:nvPr>
         </p:nvSpPr>
         <p:spPr>
@@ -4900,11 +5160,11 @@
           </a:ln>
         </p:spPr>
         <p:txBody>
-          <a:bodyPr anchorCtr="0" anchor="t" bIns="91425" lIns="91425" spcFirstLastPara="1" rIns="91425" wrap="square" tIns="91425">
+          <a:bodyPr spcFirstLastPara="1" wrap="square" lIns="91425" tIns="91425" rIns="91425" bIns="91425" anchor="t" anchorCtr="0">
             <a:normAutofit/>
           </a:bodyPr>
           <a:lstStyle>
-            <a:lvl1pPr indent="-342900" lvl="0" marL="457200">
+            <a:lvl1pPr marL="457200" lvl="0" indent="-342900">
               <a:lnSpc>
                 <a:spcPct val="115000"/>
               </a:lnSpc>
@@ -4925,7 +5185,7 @@
                 </a:solidFill>
               </a:defRPr>
             </a:lvl1pPr>
-            <a:lvl2pPr indent="-317500" lvl="1" marL="914400">
+            <a:lvl2pPr marL="914400" lvl="1" indent="-317500">
               <a:lnSpc>
                 <a:spcPct val="115000"/>
               </a:lnSpc>
@@ -4946,7 +5206,7 @@
                 </a:solidFill>
               </a:defRPr>
             </a:lvl2pPr>
-            <a:lvl3pPr indent="-317500" lvl="2" marL="1371600">
+            <a:lvl3pPr marL="1371600" lvl="2" indent="-317500">
               <a:lnSpc>
                 <a:spcPct val="115000"/>
               </a:lnSpc>
@@ -4967,7 +5227,7 @@
                 </a:solidFill>
               </a:defRPr>
             </a:lvl3pPr>
-            <a:lvl4pPr indent="-317500" lvl="3" marL="1828800">
+            <a:lvl4pPr marL="1828800" lvl="3" indent="-317500">
               <a:lnSpc>
                 <a:spcPct val="115000"/>
               </a:lnSpc>
@@ -4988,7 +5248,7 @@
                 </a:solidFill>
               </a:defRPr>
             </a:lvl4pPr>
-            <a:lvl5pPr indent="-317500" lvl="4" marL="2286000">
+            <a:lvl5pPr marL="2286000" lvl="4" indent="-317500">
               <a:lnSpc>
                 <a:spcPct val="115000"/>
               </a:lnSpc>
@@ -5009,7 +5269,7 @@
                 </a:solidFill>
               </a:defRPr>
             </a:lvl5pPr>
-            <a:lvl6pPr indent="-317500" lvl="5" marL="2743200">
+            <a:lvl6pPr marL="2743200" lvl="5" indent="-317500">
               <a:lnSpc>
                 <a:spcPct val="115000"/>
               </a:lnSpc>
@@ -5030,7 +5290,7 @@
                 </a:solidFill>
               </a:defRPr>
             </a:lvl6pPr>
-            <a:lvl7pPr indent="-317500" lvl="6" marL="3200400">
+            <a:lvl7pPr marL="3200400" lvl="6" indent="-317500">
               <a:lnSpc>
                 <a:spcPct val="115000"/>
               </a:lnSpc>
@@ -5051,7 +5311,7 @@
                 </a:solidFill>
               </a:defRPr>
             </a:lvl7pPr>
-            <a:lvl8pPr indent="-317500" lvl="7" marL="3657600">
+            <a:lvl8pPr marL="3657600" lvl="7" indent="-317500">
               <a:lnSpc>
                 <a:spcPct val="115000"/>
               </a:lnSpc>
@@ -5072,7 +5332,7 @@
                 </a:solidFill>
               </a:defRPr>
             </a:lvl8pPr>
-            <a:lvl9pPr indent="-317500" lvl="8" marL="4114800">
+            <a:lvl9pPr marL="4114800" lvl="8" indent="-317500">
               <a:lnSpc>
                 <a:spcPct val="115000"/>
               </a:lnSpc>
@@ -5094,15 +5354,19 @@
               </a:defRPr>
             </a:lvl9pPr>
           </a:lstStyle>
-          <a:p/>
+          <a:p>
+            <a:endParaRPr/>
+          </a:p>
         </p:txBody>
       </p:sp>
       <p:sp>
         <p:nvSpPr>
           <p:cNvPr id="8" name="Google Shape;8;p1"/>
-          <p:cNvSpPr txBox="1"/>
+          <p:cNvSpPr txBox="1">
+            <a:spLocks noGrp="1"/>
+          </p:cNvSpPr>
           <p:nvPr>
-            <p:ph idx="12" type="sldNum"/>
+            <p:ph type="sldNum" idx="12"/>
           </p:nvPr>
         </p:nvSpPr>
         <p:spPr>
@@ -5119,7 +5383,7 @@
           </a:ln>
         </p:spPr>
         <p:txBody>
-          <a:bodyPr anchorCtr="0" anchor="ctr" bIns="91425" lIns="91425" spcFirstLastPara="1" rIns="91425" wrap="square" tIns="91425">
+          <a:bodyPr spcFirstLastPara="1" wrap="square" lIns="91425" tIns="91425" rIns="91425" bIns="91425" anchor="ctr" anchorCtr="0">
             <a:normAutofit/>
           </a:bodyPr>
           <a:lstStyle>
@@ -5197,7 +5461,7 @@
             </a:lvl9pPr>
           </a:lstStyle>
           <a:p>
-            <a:pPr indent="0" lvl="0" marL="0" rtl="0" algn="r">
+            <a:pPr marL="0" lvl="0" indent="0" algn="r" rtl="0">
               <a:spcBef>
                 <a:spcPts val="0"/>
               </a:spcBef>
@@ -5221,7 +5485,7 @@
           <p:nvPr/>
         </p:nvPicPr>
         <p:blipFill>
-          <a:blip r:embed="rId1">
+          <a:blip r:embed="rId13">
             <a:alphaModFix/>
           </a:blip>
           <a:stretch>
@@ -5244,24 +5508,24 @@
       </p:pic>
     </p:spTree>
   </p:cSld>
-  <p:clrMap accent1="accent1" accent2="accent2" accent3="accent3" accent4="accent4" accent5="accent5" accent6="accent6" bg1="lt1" bg2="dk2" tx1="dk1" tx2="lt2" folHlink="folHlink" hlink="hlink"/>
+  <p:clrMap bg1="lt1" tx1="dk1" bg2="dk2" tx2="lt2" accent1="accent1" accent2="accent2" accent3="accent3" accent4="accent4" accent5="accent5" accent6="accent6" hlink="hlink" folHlink="folHlink"/>
   <p:sldLayoutIdLst>
-    <p:sldLayoutId id="2147483648" r:id="rId2"/>
+    <p:sldLayoutId id="2147483648" r:id="rId1"/>
+    <p:sldLayoutId id="2147483650" r:id="rId2"/>
     <p:sldLayoutId id="2147483649" r:id="rId3"/>
-    <p:sldLayoutId id="2147483650" r:id="rId4"/>
-    <p:sldLayoutId id="2147483651" r:id="rId5"/>
-    <p:sldLayoutId id="2147483652" r:id="rId6"/>
-    <p:sldLayoutId id="2147483653" r:id="rId7"/>
-    <p:sldLayoutId id="2147483654" r:id="rId8"/>
-    <p:sldLayoutId id="2147483655" r:id="rId9"/>
-    <p:sldLayoutId id="2147483656" r:id="rId10"/>
-    <p:sldLayoutId id="2147483657" r:id="rId11"/>
-    <p:sldLayoutId id="2147483658" r:id="rId12"/>
+    <p:sldLayoutId id="2147483651" r:id="rId4"/>
+    <p:sldLayoutId id="2147483652" r:id="rId5"/>
+    <p:sldLayoutId id="2147483653" r:id="rId6"/>
+    <p:sldLayoutId id="2147483654" r:id="rId7"/>
+    <p:sldLayoutId id="2147483655" r:id="rId8"/>
+    <p:sldLayoutId id="2147483656" r:id="rId9"/>
+    <p:sldLayoutId id="2147483657" r:id="rId10"/>
+    <p:sldLayoutId id="2147483658" r:id="rId11"/>
   </p:sldLayoutIdLst>
-  <p:hf dt="0" ftr="0" hdr="0" sldNum="0"/>
+  <p:hf sldNum="0" hdr="0" ftr="0" dt="0"/>
   <p:txStyles>
     <p:titleStyle>
-      <a:defPPr lvl="0" marR="0" rtl="0" algn="l">
+      <a:defPPr marR="0" lvl="0" algn="l" rtl="0">
         <a:lnSpc>
           <a:spcPct val="100000"/>
         </a:lnSpc>
@@ -5272,7 +5536,7 @@
           <a:spcPts val="0"/>
         </a:spcAft>
       </a:defPPr>
-      <a:lvl1pPr lvl="0" marR="0" rtl="0" algn="l">
+      <a:lvl1pPr marR="0" lvl="0" algn="l" rtl="0">
         <a:lnSpc>
           <a:spcPct val="100000"/>
         </a:lnSpc>
@@ -5286,7 +5550,7 @@
           <a:srgbClr val="000000"/>
         </a:buClr>
         <a:buFont typeface="Arial"/>
-        <a:defRPr b="0" i="0" sz="1400" u="none" cap="none" strike="noStrike">
+        <a:defRPr sz="1400" b="0" i="0" u="none" strike="noStrike" cap="none">
           <a:solidFill>
             <a:srgbClr val="000000"/>
           </a:solidFill>
@@ -5296,7 +5560,7 @@
           <a:sym typeface="Arial"/>
         </a:defRPr>
       </a:lvl1pPr>
-      <a:lvl2pPr lvl="1" marR="0" rtl="0" algn="l">
+      <a:lvl2pPr marR="0" lvl="1" algn="l" rtl="0">
         <a:lnSpc>
           <a:spcPct val="100000"/>
         </a:lnSpc>
@@ -5310,7 +5574,7 @@
           <a:srgbClr val="000000"/>
         </a:buClr>
         <a:buFont typeface="Arial"/>
-        <a:defRPr b="0" i="0" sz="1400" u="none" cap="none" strike="noStrike">
+        <a:defRPr sz="1400" b="0" i="0" u="none" strike="noStrike" cap="none">
           <a:solidFill>
             <a:srgbClr val="000000"/>
           </a:solidFill>
@@ -5320,7 +5584,7 @@
           <a:sym typeface="Arial"/>
         </a:defRPr>
       </a:lvl2pPr>
-      <a:lvl3pPr lvl="2" marR="0" rtl="0" algn="l">
+      <a:lvl3pPr marR="0" lvl="2" algn="l" rtl="0">
         <a:lnSpc>
           <a:spcPct val="100000"/>
         </a:lnSpc>
@@ -5334,7 +5598,7 @@
           <a:srgbClr val="000000"/>
         </a:buClr>
         <a:buFont typeface="Arial"/>
-        <a:defRPr b="0" i="0" sz="1400" u="none" cap="none" strike="noStrike">
+        <a:defRPr sz="1400" b="0" i="0" u="none" strike="noStrike" cap="none">
           <a:solidFill>
             <a:srgbClr val="000000"/>
           </a:solidFill>
@@ -5344,7 +5608,7 @@
           <a:sym typeface="Arial"/>
         </a:defRPr>
       </a:lvl3pPr>
-      <a:lvl4pPr lvl="3" marR="0" rtl="0" algn="l">
+      <a:lvl4pPr marR="0" lvl="3" algn="l" rtl="0">
         <a:lnSpc>
           <a:spcPct val="100000"/>
         </a:lnSpc>
@@ -5358,7 +5622,7 @@
           <a:srgbClr val="000000"/>
         </a:buClr>
         <a:buFont typeface="Arial"/>
-        <a:defRPr b="0" i="0" sz="1400" u="none" cap="none" strike="noStrike">
+        <a:defRPr sz="1400" b="0" i="0" u="none" strike="noStrike" cap="none">
           <a:solidFill>
             <a:srgbClr val="000000"/>
           </a:solidFill>
@@ -5368,7 +5632,7 @@
           <a:sym typeface="Arial"/>
         </a:defRPr>
       </a:lvl4pPr>
-      <a:lvl5pPr lvl="4" marR="0" rtl="0" algn="l">
+      <a:lvl5pPr marR="0" lvl="4" algn="l" rtl="0">
         <a:lnSpc>
           <a:spcPct val="100000"/>
         </a:lnSpc>
@@ -5382,7 +5646,7 @@
           <a:srgbClr val="000000"/>
         </a:buClr>
         <a:buFont typeface="Arial"/>
-        <a:defRPr b="0" i="0" sz="1400" u="none" cap="none" strike="noStrike">
+        <a:defRPr sz="1400" b="0" i="0" u="none" strike="noStrike" cap="none">
           <a:solidFill>
             <a:srgbClr val="000000"/>
           </a:solidFill>
@@ -5392,7 +5656,7 @@
           <a:sym typeface="Arial"/>
         </a:defRPr>
       </a:lvl5pPr>
-      <a:lvl6pPr lvl="5" marR="0" rtl="0" algn="l">
+      <a:lvl6pPr marR="0" lvl="5" algn="l" rtl="0">
         <a:lnSpc>
           <a:spcPct val="100000"/>
         </a:lnSpc>
@@ -5406,7 +5670,7 @@
           <a:srgbClr val="000000"/>
         </a:buClr>
         <a:buFont typeface="Arial"/>
-        <a:defRPr b="0" i="0" sz="1400" u="none" cap="none" strike="noStrike">
+        <a:defRPr sz="1400" b="0" i="0" u="none" strike="noStrike" cap="none">
           <a:solidFill>
             <a:srgbClr val="000000"/>
           </a:solidFill>
@@ -5416,7 +5680,7 @@
           <a:sym typeface="Arial"/>
         </a:defRPr>
       </a:lvl6pPr>
-      <a:lvl7pPr lvl="6" marR="0" rtl="0" algn="l">
+      <a:lvl7pPr marR="0" lvl="6" algn="l" rtl="0">
         <a:lnSpc>
           <a:spcPct val="100000"/>
         </a:lnSpc>
@@ -5430,7 +5694,7 @@
           <a:srgbClr val="000000"/>
         </a:buClr>
         <a:buFont typeface="Arial"/>
-        <a:defRPr b="0" i="0" sz="1400" u="none" cap="none" strike="noStrike">
+        <a:defRPr sz="1400" b="0" i="0" u="none" strike="noStrike" cap="none">
           <a:solidFill>
             <a:srgbClr val="000000"/>
           </a:solidFill>
@@ -5440,7 +5704,7 @@
           <a:sym typeface="Arial"/>
         </a:defRPr>
       </a:lvl7pPr>
-      <a:lvl8pPr lvl="7" marR="0" rtl="0" algn="l">
+      <a:lvl8pPr marR="0" lvl="7" algn="l" rtl="0">
         <a:lnSpc>
           <a:spcPct val="100000"/>
         </a:lnSpc>
@@ -5454,7 +5718,7 @@
           <a:srgbClr val="000000"/>
         </a:buClr>
         <a:buFont typeface="Arial"/>
-        <a:defRPr b="0" i="0" sz="1400" u="none" cap="none" strike="noStrike">
+        <a:defRPr sz="1400" b="0" i="0" u="none" strike="noStrike" cap="none">
           <a:solidFill>
             <a:srgbClr val="000000"/>
           </a:solidFill>
@@ -5464,7 +5728,7 @@
           <a:sym typeface="Arial"/>
         </a:defRPr>
       </a:lvl8pPr>
-      <a:lvl9pPr lvl="8" marR="0" rtl="0" algn="l">
+      <a:lvl9pPr marR="0" lvl="8" algn="l" rtl="0">
         <a:lnSpc>
           <a:spcPct val="100000"/>
         </a:lnSpc>
@@ -5478,7 +5742,7 @@
           <a:srgbClr val="000000"/>
         </a:buClr>
         <a:buFont typeface="Arial"/>
-        <a:defRPr b="0" i="0" sz="1400" u="none" cap="none" strike="noStrike">
+        <a:defRPr sz="1400" b="0" i="0" u="none" strike="noStrike" cap="none">
           <a:solidFill>
             <a:srgbClr val="000000"/>
           </a:solidFill>
@@ -5490,7 +5754,7 @@
       </a:lvl9pPr>
     </p:titleStyle>
     <p:bodyStyle>
-      <a:defPPr lvl="0" marR="0" rtl="0" algn="l">
+      <a:defPPr marR="0" lvl="0" algn="l" rtl="0">
         <a:lnSpc>
           <a:spcPct val="100000"/>
         </a:lnSpc>
@@ -5501,7 +5765,7 @@
           <a:spcPts val="0"/>
         </a:spcAft>
       </a:defPPr>
-      <a:lvl1pPr lvl="0" marR="0" rtl="0" algn="l">
+      <a:lvl1pPr marR="0" lvl="0" algn="l" rtl="0">
         <a:lnSpc>
           <a:spcPct val="100000"/>
         </a:lnSpc>
@@ -5515,7 +5779,7 @@
           <a:srgbClr val="000000"/>
         </a:buClr>
         <a:buFont typeface="Arial"/>
-        <a:defRPr b="0" i="0" sz="1400" u="none" cap="none" strike="noStrike">
+        <a:defRPr sz="1400" b="0" i="0" u="none" strike="noStrike" cap="none">
           <a:solidFill>
             <a:srgbClr val="000000"/>
           </a:solidFill>
@@ -5525,7 +5789,7 @@
           <a:sym typeface="Arial"/>
         </a:defRPr>
       </a:lvl1pPr>
-      <a:lvl2pPr lvl="1" marR="0" rtl="0" algn="l">
+      <a:lvl2pPr marR="0" lvl="1" algn="l" rtl="0">
         <a:lnSpc>
           <a:spcPct val="100000"/>
         </a:lnSpc>
@@ -5539,7 +5803,7 @@
           <a:srgbClr val="000000"/>
         </a:buClr>
         <a:buFont typeface="Arial"/>
-        <a:defRPr b="0" i="0" sz="1400" u="none" cap="none" strike="noStrike">
+        <a:defRPr sz="1400" b="0" i="0" u="none" strike="noStrike" cap="none">
           <a:solidFill>
             <a:srgbClr val="000000"/>
           </a:solidFill>
@@ -5549,7 +5813,7 @@
           <a:sym typeface="Arial"/>
         </a:defRPr>
       </a:lvl2pPr>
-      <a:lvl3pPr lvl="2" marR="0" rtl="0" algn="l">
+      <a:lvl3pPr marR="0" lvl="2" algn="l" rtl="0">
         <a:lnSpc>
           <a:spcPct val="100000"/>
         </a:lnSpc>
@@ -5563,7 +5827,7 @@
           <a:srgbClr val="000000"/>
         </a:buClr>
         <a:buFont typeface="Arial"/>
-        <a:defRPr b="0" i="0" sz="1400" u="none" cap="none" strike="noStrike">
+        <a:defRPr sz="1400" b="0" i="0" u="none" strike="noStrike" cap="none">
           <a:solidFill>
             <a:srgbClr val="000000"/>
           </a:solidFill>
@@ -5573,7 +5837,7 @@
           <a:sym typeface="Arial"/>
         </a:defRPr>
       </a:lvl3pPr>
-      <a:lvl4pPr lvl="3" marR="0" rtl="0" algn="l">
+      <a:lvl4pPr marR="0" lvl="3" algn="l" rtl="0">
         <a:lnSpc>
           <a:spcPct val="100000"/>
         </a:lnSpc>
@@ -5587,7 +5851,7 @@
           <a:srgbClr val="000000"/>
         </a:buClr>
         <a:buFont typeface="Arial"/>
-        <a:defRPr b="0" i="0" sz="1400" u="none" cap="none" strike="noStrike">
+        <a:defRPr sz="1400" b="0" i="0" u="none" strike="noStrike" cap="none">
           <a:solidFill>
             <a:srgbClr val="000000"/>
           </a:solidFill>
@@ -5597,7 +5861,7 @@
           <a:sym typeface="Arial"/>
         </a:defRPr>
       </a:lvl4pPr>
-      <a:lvl5pPr lvl="4" marR="0" rtl="0" algn="l">
+      <a:lvl5pPr marR="0" lvl="4" algn="l" rtl="0">
         <a:lnSpc>
           <a:spcPct val="100000"/>
         </a:lnSpc>
@@ -5611,7 +5875,7 @@
           <a:srgbClr val="000000"/>
         </a:buClr>
         <a:buFont typeface="Arial"/>
-        <a:defRPr b="0" i="0" sz="1400" u="none" cap="none" strike="noStrike">
+        <a:defRPr sz="1400" b="0" i="0" u="none" strike="noStrike" cap="none">
           <a:solidFill>
             <a:srgbClr val="000000"/>
           </a:solidFill>
@@ -5621,7 +5885,7 @@
           <a:sym typeface="Arial"/>
         </a:defRPr>
       </a:lvl5pPr>
-      <a:lvl6pPr lvl="5" marR="0" rtl="0" algn="l">
+      <a:lvl6pPr marR="0" lvl="5" algn="l" rtl="0">
         <a:lnSpc>
           <a:spcPct val="100000"/>
         </a:lnSpc>
@@ -5635,7 +5899,7 @@
           <a:srgbClr val="000000"/>
         </a:buClr>
         <a:buFont typeface="Arial"/>
-        <a:defRPr b="0" i="0" sz="1400" u="none" cap="none" strike="noStrike">
+        <a:defRPr sz="1400" b="0" i="0" u="none" strike="noStrike" cap="none">
           <a:solidFill>
             <a:srgbClr val="000000"/>
           </a:solidFill>
@@ -5645,7 +5909,7 @@
           <a:sym typeface="Arial"/>
         </a:defRPr>
       </a:lvl6pPr>
-      <a:lvl7pPr lvl="6" marR="0" rtl="0" algn="l">
+      <a:lvl7pPr marR="0" lvl="6" algn="l" rtl="0">
         <a:lnSpc>
           <a:spcPct val="100000"/>
         </a:lnSpc>
@@ -5659,7 +5923,7 @@
           <a:srgbClr val="000000"/>
         </a:buClr>
         <a:buFont typeface="Arial"/>
-        <a:defRPr b="0" i="0" sz="1400" u="none" cap="none" strike="noStrike">
+        <a:defRPr sz="1400" b="0" i="0" u="none" strike="noStrike" cap="none">
           <a:solidFill>
             <a:srgbClr val="000000"/>
           </a:solidFill>
@@ -5669,7 +5933,7 @@
           <a:sym typeface="Arial"/>
         </a:defRPr>
       </a:lvl7pPr>
-      <a:lvl8pPr lvl="7" marR="0" rtl="0" algn="l">
+      <a:lvl8pPr marR="0" lvl="7" algn="l" rtl="0">
         <a:lnSpc>
           <a:spcPct val="100000"/>
         </a:lnSpc>
@@ -5683,7 +5947,7 @@
           <a:srgbClr val="000000"/>
         </a:buClr>
         <a:buFont typeface="Arial"/>
-        <a:defRPr b="0" i="0" sz="1400" u="none" cap="none" strike="noStrike">
+        <a:defRPr sz="1400" b="0" i="0" u="none" strike="noStrike" cap="none">
           <a:solidFill>
             <a:srgbClr val="000000"/>
           </a:solidFill>
@@ -5693,7 +5957,7 @@
           <a:sym typeface="Arial"/>
         </a:defRPr>
       </a:lvl8pPr>
-      <a:lvl9pPr lvl="8" marR="0" rtl="0" algn="l">
+      <a:lvl9pPr marR="0" lvl="8" algn="l" rtl="0">
         <a:lnSpc>
           <a:spcPct val="100000"/>
         </a:lnSpc>
@@ -5707,7 +5971,7 @@
           <a:srgbClr val="000000"/>
         </a:buClr>
         <a:buFont typeface="Arial"/>
-        <a:defRPr b="0" i="0" sz="1400" u="none" cap="none" strike="noStrike">
+        <a:defRPr sz="1400" b="0" i="0" u="none" strike="noStrike" cap="none">
           <a:solidFill>
             <a:srgbClr val="000000"/>
           </a:solidFill>
@@ -5719,7 +5983,7 @@
       </a:lvl9pPr>
     </p:bodyStyle>
     <p:otherStyle>
-      <a:defPPr lvl="0" marR="0" rtl="0" algn="l">
+      <a:defPPr marR="0" lvl="0" algn="l" rtl="0">
         <a:lnSpc>
           <a:spcPct val="100000"/>
         </a:lnSpc>
@@ -5730,7 +5994,7 @@
           <a:spcPts val="0"/>
         </a:spcAft>
       </a:defPPr>
-      <a:lvl1pPr lvl="0" marR="0" rtl="0" algn="l">
+      <a:lvl1pPr marR="0" lvl="0" algn="l" rtl="0">
         <a:lnSpc>
           <a:spcPct val="100000"/>
         </a:lnSpc>
@@ -5744,7 +6008,7 @@
           <a:srgbClr val="000000"/>
         </a:buClr>
         <a:buFont typeface="Arial"/>
-        <a:defRPr b="0" i="0" sz="1400" u="none" cap="none" strike="noStrike">
+        <a:defRPr sz="1400" b="0" i="0" u="none" strike="noStrike" cap="none">
           <a:solidFill>
             <a:srgbClr val="000000"/>
           </a:solidFill>
@@ -5754,7 +6018,7 @@
           <a:sym typeface="Arial"/>
         </a:defRPr>
       </a:lvl1pPr>
-      <a:lvl2pPr lvl="1" marR="0" rtl="0" algn="l">
+      <a:lvl2pPr marR="0" lvl="1" algn="l" rtl="0">
         <a:lnSpc>
           <a:spcPct val="100000"/>
         </a:lnSpc>
@@ -5768,7 +6032,7 @@
           <a:srgbClr val="000000"/>
         </a:buClr>
         <a:buFont typeface="Arial"/>
-        <a:defRPr b="0" i="0" sz="1400" u="none" cap="none" strike="noStrike">
+        <a:defRPr sz="1400" b="0" i="0" u="none" strike="noStrike" cap="none">
           <a:solidFill>
             <a:srgbClr val="000000"/>
           </a:solidFill>
@@ -5778,7 +6042,7 @@
           <a:sym typeface="Arial"/>
         </a:defRPr>
       </a:lvl2pPr>
-      <a:lvl3pPr lvl="2" marR="0" rtl="0" algn="l">
+      <a:lvl3pPr marR="0" lvl="2" algn="l" rtl="0">
         <a:lnSpc>
           <a:spcPct val="100000"/>
         </a:lnSpc>
@@ -5792,7 +6056,7 @@
           <a:srgbClr val="000000"/>
         </a:buClr>
         <a:buFont typeface="Arial"/>
-        <a:defRPr b="0" i="0" sz="1400" u="none" cap="none" strike="noStrike">
+        <a:defRPr sz="1400" b="0" i="0" u="none" strike="noStrike" cap="none">
           <a:solidFill>
             <a:srgbClr val="000000"/>
           </a:solidFill>
@@ -5802,7 +6066,7 @@
           <a:sym typeface="Arial"/>
         </a:defRPr>
       </a:lvl3pPr>
-      <a:lvl4pPr lvl="3" marR="0" rtl="0" algn="l">
+      <a:lvl4pPr marR="0" lvl="3" algn="l" rtl="0">
         <a:lnSpc>
           <a:spcPct val="100000"/>
         </a:lnSpc>
@@ -5816,7 +6080,7 @@
           <a:srgbClr val="000000"/>
         </a:buClr>
         <a:buFont typeface="Arial"/>
-        <a:defRPr b="0" i="0" sz="1400" u="none" cap="none" strike="noStrike">
+        <a:defRPr sz="1400" b="0" i="0" u="none" strike="noStrike" cap="none">
           <a:solidFill>
             <a:srgbClr val="000000"/>
           </a:solidFill>
@@ -5826,7 +6090,7 @@
           <a:sym typeface="Arial"/>
         </a:defRPr>
       </a:lvl4pPr>
-      <a:lvl5pPr lvl="4" marR="0" rtl="0" algn="l">
+      <a:lvl5pPr marR="0" lvl="4" algn="l" rtl="0">
         <a:lnSpc>
           <a:spcPct val="100000"/>
         </a:lnSpc>
@@ -5840,7 +6104,7 @@
           <a:srgbClr val="000000"/>
         </a:buClr>
         <a:buFont typeface="Arial"/>
-        <a:defRPr b="0" i="0" sz="1400" u="none" cap="none" strike="noStrike">
+        <a:defRPr sz="1400" b="0" i="0" u="none" strike="noStrike" cap="none">
           <a:solidFill>
             <a:srgbClr val="000000"/>
           </a:solidFill>
@@ -5850,7 +6114,7 @@
           <a:sym typeface="Arial"/>
         </a:defRPr>
       </a:lvl5pPr>
-      <a:lvl6pPr lvl="5" marR="0" rtl="0" algn="l">
+      <a:lvl6pPr marR="0" lvl="5" algn="l" rtl="0">
         <a:lnSpc>
           <a:spcPct val="100000"/>
         </a:lnSpc>
@@ -5864,7 +6128,7 @@
           <a:srgbClr val="000000"/>
         </a:buClr>
         <a:buFont typeface="Arial"/>
-        <a:defRPr b="0" i="0" sz="1400" u="none" cap="none" strike="noStrike">
+        <a:defRPr sz="1400" b="0" i="0" u="none" strike="noStrike" cap="none">
           <a:solidFill>
             <a:srgbClr val="000000"/>
           </a:solidFill>
@@ -5874,7 +6138,7 @@
           <a:sym typeface="Arial"/>
         </a:defRPr>
       </a:lvl6pPr>
-      <a:lvl7pPr lvl="6" marR="0" rtl="0" algn="l">
+      <a:lvl7pPr marR="0" lvl="6" algn="l" rtl="0">
         <a:lnSpc>
           <a:spcPct val="100000"/>
         </a:lnSpc>
@@ -5888,7 +6152,7 @@
           <a:srgbClr val="000000"/>
         </a:buClr>
         <a:buFont typeface="Arial"/>
-        <a:defRPr b="0" i="0" sz="1400" u="none" cap="none" strike="noStrike">
+        <a:defRPr sz="1400" b="0" i="0" u="none" strike="noStrike" cap="none">
           <a:solidFill>
             <a:srgbClr val="000000"/>
           </a:solidFill>
@@ -5898,7 +6162,7 @@
           <a:sym typeface="Arial"/>
         </a:defRPr>
       </a:lvl7pPr>
-      <a:lvl8pPr lvl="7" marR="0" rtl="0" algn="l">
+      <a:lvl8pPr marR="0" lvl="7" algn="l" rtl="0">
         <a:lnSpc>
           <a:spcPct val="100000"/>
         </a:lnSpc>
@@ -5912,7 +6176,7 @@
           <a:srgbClr val="000000"/>
         </a:buClr>
         <a:buFont typeface="Arial"/>
-        <a:defRPr b="0" i="0" sz="1400" u="none" cap="none" strike="noStrike">
+        <a:defRPr sz="1400" b="0" i="0" u="none" strike="noStrike" cap="none">
           <a:solidFill>
             <a:srgbClr val="000000"/>
           </a:solidFill>
@@ -5922,7 +6186,7 @@
           <a:sym typeface="Arial"/>
         </a:defRPr>
       </a:lvl8pPr>
-      <a:lvl9pPr lvl="8" marR="0" rtl="0" algn="l">
+      <a:lvl9pPr marR="0" lvl="8" algn="l" rtl="0">
         <a:lnSpc>
           <a:spcPct val="100000"/>
         </a:lnSpc>
@@ -5936,7 +6200,7 @@
           <a:srgbClr val="000000"/>
         </a:buClr>
         <a:buFont typeface="Arial"/>
-        <a:defRPr b="0" i="0" sz="1400" u="none" cap="none" strike="noStrike">
+        <a:defRPr sz="1400" b="0" i="0" u="none" strike="noStrike" cap="none">
           <a:solidFill>
             <a:srgbClr val="000000"/>
           </a:solidFill>
@@ -5952,11 +6216,11 @@
 </file>
 
 <file path=ppt/slides/slide1.xml><?xml version="1.0" encoding="utf-8"?>
-<p:sld xmlns:a="http://schemas.openxmlformats.org/drawingml/2006/main" xmlns:r="http://schemas.openxmlformats.org/officeDocument/2006/relationships" xmlns:mc="http://schemas.openxmlformats.org/markup-compatibility/2006" xmlns:mv="urn:schemas-microsoft-com:mac:vml" xmlns:p="http://schemas.openxmlformats.org/presentationml/2006/main" xmlns:c="http://schemas.openxmlformats.org/drawingml/2006/chart" xmlns:dgm="http://schemas.openxmlformats.org/drawingml/2006/diagram" xmlns:o="urn:schemas-microsoft-com:office:office" xmlns:v="urn:schemas-microsoft-com:vml" xmlns:pvml="urn:schemas-microsoft-com:office:powerpoint" xmlns:com="http://schemas.openxmlformats.org/drawingml/2006/compatibility" xmlns:p14="http://schemas.microsoft.com/office/powerpoint/2010/main" xmlns:p15="http://schemas.microsoft.com/office/powerpoint/2012/main" xmlns:ahyp="http://schemas.microsoft.com/office/drawing/2018/hyperlinkcolor">
+<p:sld xmlns:a="http://schemas.openxmlformats.org/drawingml/2006/main" xmlns:r="http://schemas.openxmlformats.org/officeDocument/2006/relationships" xmlns:p="http://schemas.openxmlformats.org/presentationml/2006/main">
   <p:cSld>
     <p:spTree>
       <p:nvGrpSpPr>
-        <p:cNvPr id="63" name="Shape 63"/>
+        <p:cNvPr id="1" name="Shape 63"/>
         <p:cNvGrpSpPr/>
         <p:nvPr/>
       </p:nvGrpSpPr>
@@ -5977,7 +6241,288 @@
 </file>
 
 <file path=ppt/theme/theme1.xml><?xml version="1.0" encoding="utf-8"?>
-<a:theme xmlns:a="http://schemas.openxmlformats.org/drawingml/2006/main" xmlns:r="http://schemas.openxmlformats.org/officeDocument/2006/relationships">
+<a:theme xmlns:a="http://schemas.openxmlformats.org/drawingml/2006/main" name="Simple Light">
+  <a:themeElements>
+    <a:clrScheme name="Simple Light">
+      <a:dk1>
+        <a:srgbClr val="000000"/>
+      </a:dk1>
+      <a:lt1>
+        <a:srgbClr val="FFFFFF"/>
+      </a:lt1>
+      <a:dk2>
+        <a:srgbClr val="595959"/>
+      </a:dk2>
+      <a:lt2>
+        <a:srgbClr val="EEEEEE"/>
+      </a:lt2>
+      <a:accent1>
+        <a:srgbClr val="4285F4"/>
+      </a:accent1>
+      <a:accent2>
+        <a:srgbClr val="212121"/>
+      </a:accent2>
+      <a:accent3>
+        <a:srgbClr val="78909C"/>
+      </a:accent3>
+      <a:accent4>
+        <a:srgbClr val="FFAB40"/>
+      </a:accent4>
+      <a:accent5>
+        <a:srgbClr val="0097A7"/>
+      </a:accent5>
+      <a:accent6>
+        <a:srgbClr val="EEFF41"/>
+      </a:accent6>
+      <a:hlink>
+        <a:srgbClr val="0097A7"/>
+      </a:hlink>
+      <a:folHlink>
+        <a:srgbClr val="0097A7"/>
+      </a:folHlink>
+    </a:clrScheme>
+    <a:fontScheme name="Office">
+      <a:majorFont>
+        <a:latin typeface="Arial"/>
+        <a:ea typeface=""/>
+        <a:cs typeface=""/>
+        <a:font script="Jpan" typeface="ＭＳ Ｐゴシック"/>
+        <a:font script="Hang" typeface="맑은 고딕"/>
+        <a:font script="Hans" typeface="宋体"/>
+        <a:font script="Hant" typeface="新細明體"/>
+        <a:font script="Arab" typeface="Times New Roman"/>
+        <a:font script="Hebr" typeface="Times New Roman"/>
+        <a:font script="Thai" typeface="Angsana New"/>
+        <a:font script="Ethi" typeface="Nyala"/>
+        <a:font script="Beng" typeface="Vrinda"/>
+        <a:font script="Gujr" typeface="Shruti"/>
+        <a:font script="Khmr" typeface="MoolBoran"/>
+        <a:font script="Knda" typeface="Tunga"/>
+        <a:font script="Guru" typeface="Raavi"/>
+        <a:font script="Cans" typeface="Euphemia"/>
+        <a:font script="Cher" typeface="Plantagenet Cherokee"/>
+        <a:font script="Yiii" typeface="Microsoft Yi Baiti"/>
+        <a:font script="Tibt" typeface="Microsoft Himalaya"/>
+        <a:font script="Thaa" typeface="MV Boli"/>
+        <a:font script="Deva" typeface="Mangal"/>
+        <a:font script="Telu" typeface="Gautami"/>
+        <a:font script="Taml" typeface="Latha"/>
+        <a:font script="Syrc" typeface="Estrangelo Edessa"/>
+        <a:font script="Orya" typeface="Kalinga"/>
+        <a:font script="Mlym" typeface="Kartika"/>
+        <a:font script="Laoo" typeface="DokChampa"/>
+        <a:font script="Sinh" typeface="Iskoola Pota"/>
+        <a:font script="Mong" typeface="Mongolian Baiti"/>
+        <a:font script="Viet" typeface="Times New Roman"/>
+        <a:font script="Uigh" typeface="Microsoft Uighur"/>
+        <a:font script="Geor" typeface="Sylfaen"/>
+      </a:majorFont>
+      <a:minorFont>
+        <a:latin typeface="Arial"/>
+        <a:ea typeface=""/>
+        <a:cs typeface=""/>
+        <a:font script="Jpan" typeface="ＭＳ Ｐゴシック"/>
+        <a:font script="Hang" typeface="맑은 고딕"/>
+        <a:font script="Hans" typeface="宋体"/>
+        <a:font script="Hant" typeface="新細明體"/>
+        <a:font script="Arab" typeface="Arial"/>
+        <a:font script="Hebr" typeface="Arial"/>
+        <a:font script="Thai" typeface="Cordia New"/>
+        <a:font script="Ethi" typeface="Nyala"/>
+        <a:font script="Beng" typeface="Vrinda"/>
+        <a:font script="Gujr" typeface="Shruti"/>
+        <a:font script="Khmr" typeface="DaunPenh"/>
+        <a:font script="Knda" typeface="Tunga"/>
+        <a:font script="Guru" typeface="Raavi"/>
+        <a:font script="Cans" typeface="Euphemia"/>
+        <a:font script="Cher" typeface="Plantagenet Cherokee"/>
+        <a:font script="Yiii" typeface="Microsoft Yi Baiti"/>
+        <a:font script="Tibt" typeface="Microsoft Himalaya"/>
+        <a:font script="Thaa" typeface="MV Boli"/>
+        <a:font script="Deva" typeface="Mangal"/>
+        <a:font script="Telu" typeface="Gautami"/>
+        <a:font script="Taml" typeface="Latha"/>
+        <a:font script="Syrc" typeface="Estrangelo Edessa"/>
+        <a:font script="Orya" typeface="Kalinga"/>
+        <a:font script="Mlym" typeface="Kartika"/>
+        <a:font script="Laoo" typeface="DokChampa"/>
+        <a:font script="Sinh" typeface="Iskoola Pota"/>
+        <a:font script="Mong" typeface="Mongolian Baiti"/>
+        <a:font script="Viet" typeface="Arial"/>
+        <a:font script="Uigh" typeface="Microsoft Uighur"/>
+        <a:font script="Geor" typeface="Sylfaen"/>
+      </a:minorFont>
+    </a:fontScheme>
+    <a:fmtScheme name="Office">
+      <a:fillStyleLst>
+        <a:solidFill>
+          <a:schemeClr val="phClr"/>
+        </a:solidFill>
+        <a:gradFill rotWithShape="1">
+          <a:gsLst>
+            <a:gs pos="0">
+              <a:schemeClr val="phClr">
+                <a:tint val="50000"/>
+                <a:satMod val="300000"/>
+              </a:schemeClr>
+            </a:gs>
+            <a:gs pos="35000">
+              <a:schemeClr val="phClr">
+                <a:tint val="37000"/>
+                <a:satMod val="300000"/>
+              </a:schemeClr>
+            </a:gs>
+            <a:gs pos="100000">
+              <a:schemeClr val="phClr">
+                <a:tint val="15000"/>
+                <a:satMod val="350000"/>
+              </a:schemeClr>
+            </a:gs>
+          </a:gsLst>
+          <a:lin ang="16200000" scaled="1"/>
+        </a:gradFill>
+        <a:gradFill rotWithShape="1">
+          <a:gsLst>
+            <a:gs pos="0">
+              <a:schemeClr val="phClr">
+                <a:tint val="100000"/>
+                <a:shade val="100000"/>
+                <a:satMod val="130000"/>
+              </a:schemeClr>
+            </a:gs>
+            <a:gs pos="100000">
+              <a:schemeClr val="phClr">
+                <a:tint val="50000"/>
+                <a:shade val="100000"/>
+                <a:satMod val="350000"/>
+              </a:schemeClr>
+            </a:gs>
+          </a:gsLst>
+          <a:lin ang="16200000" scaled="0"/>
+        </a:gradFill>
+      </a:fillStyleLst>
+      <a:lnStyleLst>
+        <a:ln w="9525" cap="flat" cmpd="sng" algn="ctr">
+          <a:solidFill>
+            <a:schemeClr val="phClr">
+              <a:shade val="95000"/>
+              <a:satMod val="105000"/>
+            </a:schemeClr>
+          </a:solidFill>
+          <a:prstDash val="solid"/>
+        </a:ln>
+        <a:ln w="25400" cap="flat" cmpd="sng" algn="ctr">
+          <a:solidFill>
+            <a:schemeClr val="phClr"/>
+          </a:solidFill>
+          <a:prstDash val="solid"/>
+        </a:ln>
+        <a:ln w="38100" cap="flat" cmpd="sng" algn="ctr">
+          <a:solidFill>
+            <a:schemeClr val="phClr"/>
+          </a:solidFill>
+          <a:prstDash val="solid"/>
+        </a:ln>
+      </a:lnStyleLst>
+      <a:effectStyleLst>
+        <a:effectStyle>
+          <a:effectLst>
+            <a:outerShdw blurRad="40000" dist="20000" dir="5400000" rotWithShape="0">
+              <a:srgbClr val="000000">
+                <a:alpha val="38000"/>
+              </a:srgbClr>
+            </a:outerShdw>
+          </a:effectLst>
+        </a:effectStyle>
+        <a:effectStyle>
+          <a:effectLst>
+            <a:outerShdw blurRad="40000" dist="23000" dir="5400000" rotWithShape="0">
+              <a:srgbClr val="000000">
+                <a:alpha val="35000"/>
+              </a:srgbClr>
+            </a:outerShdw>
+          </a:effectLst>
+        </a:effectStyle>
+        <a:effectStyle>
+          <a:effectLst>
+            <a:outerShdw blurRad="40000" dist="23000" dir="5400000" rotWithShape="0">
+              <a:srgbClr val="000000">
+                <a:alpha val="35000"/>
+              </a:srgbClr>
+            </a:outerShdw>
+          </a:effectLst>
+          <a:scene3d>
+            <a:camera prst="orthographicFront">
+              <a:rot lat="0" lon="0" rev="0"/>
+            </a:camera>
+            <a:lightRig rig="threePt" dir="t">
+              <a:rot lat="0" lon="0" rev="1200000"/>
+            </a:lightRig>
+          </a:scene3d>
+          <a:sp3d>
+            <a:bevelT w="63500" h="25400"/>
+          </a:sp3d>
+        </a:effectStyle>
+      </a:effectStyleLst>
+      <a:bgFillStyleLst>
+        <a:solidFill>
+          <a:schemeClr val="phClr"/>
+        </a:solidFill>
+        <a:gradFill rotWithShape="1">
+          <a:gsLst>
+            <a:gs pos="0">
+              <a:schemeClr val="phClr">
+                <a:tint val="40000"/>
+                <a:satMod val="350000"/>
+              </a:schemeClr>
+            </a:gs>
+            <a:gs pos="40000">
+              <a:schemeClr val="phClr">
+                <a:tint val="45000"/>
+                <a:shade val="99000"/>
+                <a:satMod val="350000"/>
+              </a:schemeClr>
+            </a:gs>
+            <a:gs pos="100000">
+              <a:schemeClr val="phClr">
+                <a:shade val="20000"/>
+                <a:satMod val="255000"/>
+              </a:schemeClr>
+            </a:gs>
+          </a:gsLst>
+          <a:path path="circle">
+            <a:fillToRect l="50000" t="-80000" r="50000" b="180000"/>
+          </a:path>
+        </a:gradFill>
+        <a:gradFill rotWithShape="1">
+          <a:gsLst>
+            <a:gs pos="0">
+              <a:schemeClr val="phClr">
+                <a:tint val="80000"/>
+                <a:satMod val="300000"/>
+              </a:schemeClr>
+            </a:gs>
+            <a:gs pos="100000">
+              <a:schemeClr val="phClr">
+                <a:shade val="30000"/>
+                <a:satMod val="200000"/>
+              </a:schemeClr>
+            </a:gs>
+          </a:gsLst>
+          <a:path path="circle">
+            <a:fillToRect l="50000" t="50000" r="50000" b="50000"/>
+          </a:path>
+        </a:gradFill>
+      </a:bgFillStyleLst>
+    </a:fmtScheme>
+  </a:themeElements>
+  <a:objectDefaults/>
+  <a:extraClrSchemeLst/>
+</a:theme>
+</file>
+
+<file path=ppt/theme/theme2.xml><?xml version="1.0" encoding="utf-8"?>
+<a:theme xmlns:a="http://schemas.openxmlformats.org/drawingml/2006/main">
   <a:themeElements>
     <a:clrScheme name="Default">
       <a:dk1>
@@ -6252,284 +6797,7 @@
       </a:bgFillStyleLst>
     </a:fmtScheme>
   </a:themeElements>
-</a:theme>
-</file>
-
-<file path=ppt/theme/theme2.xml><?xml version="1.0" encoding="utf-8"?>
-<a:theme xmlns:a="http://schemas.openxmlformats.org/drawingml/2006/main" xmlns:r="http://schemas.openxmlformats.org/officeDocument/2006/relationships" name="Simple Light">
-  <a:themeElements>
-    <a:clrScheme name="Simple Light">
-      <a:dk1>
-        <a:srgbClr val="000000"/>
-      </a:dk1>
-      <a:lt1>
-        <a:srgbClr val="FFFFFF"/>
-      </a:lt1>
-      <a:dk2>
-        <a:srgbClr val="595959"/>
-      </a:dk2>
-      <a:lt2>
-        <a:srgbClr val="EEEEEE"/>
-      </a:lt2>
-      <a:accent1>
-        <a:srgbClr val="4285F4"/>
-      </a:accent1>
-      <a:accent2>
-        <a:srgbClr val="212121"/>
-      </a:accent2>
-      <a:accent3>
-        <a:srgbClr val="78909C"/>
-      </a:accent3>
-      <a:accent4>
-        <a:srgbClr val="FFAB40"/>
-      </a:accent4>
-      <a:accent5>
-        <a:srgbClr val="0097A7"/>
-      </a:accent5>
-      <a:accent6>
-        <a:srgbClr val="EEFF41"/>
-      </a:accent6>
-      <a:hlink>
-        <a:srgbClr val="0097A7"/>
-      </a:hlink>
-      <a:folHlink>
-        <a:srgbClr val="0097A7"/>
-      </a:folHlink>
-    </a:clrScheme>
-    <a:fontScheme name="Office">
-      <a:majorFont>
-        <a:latin typeface="Arial"/>
-        <a:ea typeface=""/>
-        <a:cs typeface=""/>
-        <a:font script="Jpan" typeface="ＭＳ Ｐゴシック"/>
-        <a:font script="Hang" typeface="맑은 고딕"/>
-        <a:font script="Hans" typeface="宋体"/>
-        <a:font script="Hant" typeface="新細明體"/>
-        <a:font script="Arab" typeface="Times New Roman"/>
-        <a:font script="Hebr" typeface="Times New Roman"/>
-        <a:font script="Thai" typeface="Angsana New"/>
-        <a:font script="Ethi" typeface="Nyala"/>
-        <a:font script="Beng" typeface="Vrinda"/>
-        <a:font script="Gujr" typeface="Shruti"/>
-        <a:font script="Khmr" typeface="MoolBoran"/>
-        <a:font script="Knda" typeface="Tunga"/>
-        <a:font script="Guru" typeface="Raavi"/>
-        <a:font script="Cans" typeface="Euphemia"/>
-        <a:font script="Cher" typeface="Plantagenet Cherokee"/>
-        <a:font script="Yiii" typeface="Microsoft Yi Baiti"/>
-        <a:font script="Tibt" typeface="Microsoft Himalaya"/>
-        <a:font script="Thaa" typeface="MV Boli"/>
-        <a:font script="Deva" typeface="Mangal"/>
-        <a:font script="Telu" typeface="Gautami"/>
-        <a:font script="Taml" typeface="Latha"/>
-        <a:font script="Syrc" typeface="Estrangelo Edessa"/>
-        <a:font script="Orya" typeface="Kalinga"/>
-        <a:font script="Mlym" typeface="Kartika"/>
-        <a:font script="Laoo" typeface="DokChampa"/>
-        <a:font script="Sinh" typeface="Iskoola Pota"/>
-        <a:font script="Mong" typeface="Mongolian Baiti"/>
-        <a:font script="Viet" typeface="Times New Roman"/>
-        <a:font script="Uigh" typeface="Microsoft Uighur"/>
-        <a:font script="Geor" typeface="Sylfaen"/>
-      </a:majorFont>
-      <a:minorFont>
-        <a:latin typeface="Arial"/>
-        <a:ea typeface=""/>
-        <a:cs typeface=""/>
-        <a:font script="Jpan" typeface="ＭＳ Ｐゴシック"/>
-        <a:font script="Hang" typeface="맑은 고딕"/>
-        <a:font script="Hans" typeface="宋体"/>
-        <a:font script="Hant" typeface="新細明體"/>
-        <a:font script="Arab" typeface="Arial"/>
-        <a:font script="Hebr" typeface="Arial"/>
-        <a:font script="Thai" typeface="Cordia New"/>
-        <a:font script="Ethi" typeface="Nyala"/>
-        <a:font script="Beng" typeface="Vrinda"/>
-        <a:font script="Gujr" typeface="Shruti"/>
-        <a:font script="Khmr" typeface="DaunPenh"/>
-        <a:font script="Knda" typeface="Tunga"/>
-        <a:font script="Guru" typeface="Raavi"/>
-        <a:font script="Cans" typeface="Euphemia"/>
-        <a:font script="Cher" typeface="Plantagenet Cherokee"/>
-        <a:font script="Yiii" typeface="Microsoft Yi Baiti"/>
-        <a:font script="Tibt" typeface="Microsoft Himalaya"/>
-        <a:font script="Thaa" typeface="MV Boli"/>
-        <a:font script="Deva" typeface="Mangal"/>
-        <a:font script="Telu" typeface="Gautami"/>
-        <a:font script="Taml" typeface="Latha"/>
-        <a:font script="Syrc" typeface="Estrangelo Edessa"/>
-        <a:font script="Orya" typeface="Kalinga"/>
-        <a:font script="Mlym" typeface="Kartika"/>
-        <a:font script="Laoo" typeface="DokChampa"/>
-        <a:font script="Sinh" typeface="Iskoola Pota"/>
-        <a:font script="Mong" typeface="Mongolian Baiti"/>
-        <a:font script="Viet" typeface="Arial"/>
-        <a:font script="Uigh" typeface="Microsoft Uighur"/>
-        <a:font script="Geor" typeface="Sylfaen"/>
-      </a:minorFont>
-    </a:fontScheme>
-    <a:fmtScheme name="Office">
-      <a:fillStyleLst>
-        <a:solidFill>
-          <a:schemeClr val="phClr"/>
-        </a:solidFill>
-        <a:gradFill rotWithShape="1">
-          <a:gsLst>
-            <a:gs pos="0">
-              <a:schemeClr val="phClr">
-                <a:tint val="50000"/>
-                <a:satMod val="300000"/>
-              </a:schemeClr>
-            </a:gs>
-            <a:gs pos="35000">
-              <a:schemeClr val="phClr">
-                <a:tint val="37000"/>
-                <a:satMod val="300000"/>
-              </a:schemeClr>
-            </a:gs>
-            <a:gs pos="100000">
-              <a:schemeClr val="phClr">
-                <a:tint val="15000"/>
-                <a:satMod val="350000"/>
-              </a:schemeClr>
-            </a:gs>
-          </a:gsLst>
-          <a:lin ang="16200000" scaled="1"/>
-        </a:gradFill>
-        <a:gradFill rotWithShape="1">
-          <a:gsLst>
-            <a:gs pos="0">
-              <a:schemeClr val="phClr">
-                <a:tint val="100000"/>
-                <a:shade val="100000"/>
-                <a:satMod val="130000"/>
-              </a:schemeClr>
-            </a:gs>
-            <a:gs pos="100000">
-              <a:schemeClr val="phClr">
-                <a:tint val="50000"/>
-                <a:shade val="100000"/>
-                <a:satMod val="350000"/>
-              </a:schemeClr>
-            </a:gs>
-          </a:gsLst>
-          <a:lin ang="16200000" scaled="0"/>
-        </a:gradFill>
-      </a:fillStyleLst>
-      <a:lnStyleLst>
-        <a:ln w="9525" cap="flat" cmpd="sng" algn="ctr">
-          <a:solidFill>
-            <a:schemeClr val="phClr">
-              <a:shade val="95000"/>
-              <a:satMod val="105000"/>
-            </a:schemeClr>
-          </a:solidFill>
-          <a:prstDash val="solid"/>
-        </a:ln>
-        <a:ln w="25400" cap="flat" cmpd="sng" algn="ctr">
-          <a:solidFill>
-            <a:schemeClr val="phClr"/>
-          </a:solidFill>
-          <a:prstDash val="solid"/>
-        </a:ln>
-        <a:ln w="38100" cap="flat" cmpd="sng" algn="ctr">
-          <a:solidFill>
-            <a:schemeClr val="phClr"/>
-          </a:solidFill>
-          <a:prstDash val="solid"/>
-        </a:ln>
-      </a:lnStyleLst>
-      <a:effectStyleLst>
-        <a:effectStyle>
-          <a:effectLst>
-            <a:outerShdw blurRad="40000" dist="20000" dir="5400000" rotWithShape="0">
-              <a:srgbClr val="000000">
-                <a:alpha val="38000"/>
-              </a:srgbClr>
-            </a:outerShdw>
-          </a:effectLst>
-        </a:effectStyle>
-        <a:effectStyle>
-          <a:effectLst>
-            <a:outerShdw blurRad="40000" dist="23000" dir="5400000" rotWithShape="0">
-              <a:srgbClr val="000000">
-                <a:alpha val="35000"/>
-              </a:srgbClr>
-            </a:outerShdw>
-          </a:effectLst>
-        </a:effectStyle>
-        <a:effectStyle>
-          <a:effectLst>
-            <a:outerShdw blurRad="40000" dist="23000" dir="5400000" rotWithShape="0">
-              <a:srgbClr val="000000">
-                <a:alpha val="35000"/>
-              </a:srgbClr>
-            </a:outerShdw>
-          </a:effectLst>
-          <a:scene3d>
-            <a:camera prst="orthographicFront">
-              <a:rot lat="0" lon="0" rev="0"/>
-            </a:camera>
-            <a:lightRig rig="threePt" dir="t">
-              <a:rot lat="0" lon="0" rev="1200000"/>
-            </a:lightRig>
-          </a:scene3d>
-          <a:sp3d>
-            <a:bevelT w="63500" h="25400"/>
-          </a:sp3d>
-        </a:effectStyle>
-      </a:effectStyleLst>
-      <a:bgFillStyleLst>
-        <a:solidFill>
-          <a:schemeClr val="phClr"/>
-        </a:solidFill>
-        <a:gradFill rotWithShape="1">
-          <a:gsLst>
-            <a:gs pos="0">
-              <a:schemeClr val="phClr">
-                <a:tint val="40000"/>
-                <a:satMod val="350000"/>
-              </a:schemeClr>
-            </a:gs>
-            <a:gs pos="40000">
-              <a:schemeClr val="phClr">
-                <a:tint val="45000"/>
-                <a:shade val="99000"/>
-                <a:satMod val="350000"/>
-              </a:schemeClr>
-            </a:gs>
-            <a:gs pos="100000">
-              <a:schemeClr val="phClr">
-                <a:shade val="20000"/>
-                <a:satMod val="255000"/>
-              </a:schemeClr>
-            </a:gs>
-          </a:gsLst>
-          <a:path path="circle">
-            <a:fillToRect l="50000" t="-80000" r="50000" b="180000"/>
-          </a:path>
-        </a:gradFill>
-        <a:gradFill rotWithShape="1">
-          <a:gsLst>
-            <a:gs pos="0">
-              <a:schemeClr val="phClr">
-                <a:tint val="80000"/>
-                <a:satMod val="300000"/>
-              </a:schemeClr>
-            </a:gs>
-            <a:gs pos="100000">
-              <a:schemeClr val="phClr">
-                <a:shade val="30000"/>
-                <a:satMod val="200000"/>
-              </a:schemeClr>
-            </a:gs>
-          </a:gsLst>
-          <a:path path="circle">
-            <a:fillToRect l="50000" t="50000" r="50000" b="50000"/>
-          </a:path>
-        </a:gradFill>
-      </a:bgFillStyleLst>
-    </a:fmtScheme>
-  </a:themeElements>
+  <a:objectDefaults/>
+  <a:extraClrSchemeLst/>
 </a:theme>
 </file>